--- a/Operations Management lecture notes of Tanmoy Das.pptx
+++ b/Operations Management lecture notes of Tanmoy Das.pptx
@@ -5,7 +5,7 @@
     <p:sldMasterId id="2147483689" r:id="rId1"/>
   </p:sldMasterIdLst>
   <p:notesMasterIdLst>
-    <p:notesMasterId r:id="rId15"/>
+    <p:notesMasterId r:id="rId33"/>
   </p:notesMasterIdLst>
   <p:sldIdLst>
     <p:sldId id="258" r:id="rId2"/>
@@ -18,9 +18,27 @@
     <p:sldId id="261" r:id="rId9"/>
     <p:sldId id="267" r:id="rId10"/>
     <p:sldId id="268" r:id="rId11"/>
-    <p:sldId id="262" r:id="rId12"/>
-    <p:sldId id="263" r:id="rId13"/>
-    <p:sldId id="264" r:id="rId14"/>
+    <p:sldId id="272" r:id="rId12"/>
+    <p:sldId id="262" r:id="rId13"/>
+    <p:sldId id="273" r:id="rId14"/>
+    <p:sldId id="285" r:id="rId15"/>
+    <p:sldId id="286" r:id="rId16"/>
+    <p:sldId id="263" r:id="rId17"/>
+    <p:sldId id="269" r:id="rId18"/>
+    <p:sldId id="284" r:id="rId19"/>
+    <p:sldId id="274" r:id="rId20"/>
+    <p:sldId id="271" r:id="rId21"/>
+    <p:sldId id="264" r:id="rId22"/>
+    <p:sldId id="270" r:id="rId23"/>
+    <p:sldId id="275" r:id="rId24"/>
+    <p:sldId id="283" r:id="rId25"/>
+    <p:sldId id="276" r:id="rId26"/>
+    <p:sldId id="278" r:id="rId27"/>
+    <p:sldId id="277" r:id="rId28"/>
+    <p:sldId id="279" r:id="rId29"/>
+    <p:sldId id="280" r:id="rId30"/>
+    <p:sldId id="281" r:id="rId31"/>
+    <p:sldId id="282" r:id="rId32"/>
   </p:sldIdLst>
   <p:sldSz cx="12192000" cy="6858000"/>
   <p:notesSz cx="6858000" cy="9144000"/>
@@ -138,9 +156,27 @@
             <p14:sldId id="261"/>
             <p14:sldId id="267"/>
             <p14:sldId id="268"/>
+            <p14:sldId id="272"/>
             <p14:sldId id="262"/>
+            <p14:sldId id="273"/>
+            <p14:sldId id="285"/>
+            <p14:sldId id="286"/>
             <p14:sldId id="263"/>
+            <p14:sldId id="269"/>
+            <p14:sldId id="284"/>
+            <p14:sldId id="274"/>
+            <p14:sldId id="271"/>
             <p14:sldId id="264"/>
+            <p14:sldId id="270"/>
+            <p14:sldId id="275"/>
+            <p14:sldId id="283"/>
+            <p14:sldId id="276"/>
+            <p14:sldId id="278"/>
+            <p14:sldId id="277"/>
+            <p14:sldId id="279"/>
+            <p14:sldId id="280"/>
+            <p14:sldId id="281"/>
+            <p14:sldId id="282"/>
           </p14:sldIdLst>
         </p14:section>
       </p14:sectionLst>
@@ -1632,784 +1668,6 @@
       <dsp:cNvGrpSpPr/>
     </dsp:nvGrpSpPr>
     <dsp:grpSpPr/>
-    <dsp:sp modelId="{79B76B4C-331E-41B8-AE2E-6A095FA41D6E}">
-      <dsp:nvSpPr>
-        <dsp:cNvPr id="0" name=""/>
-        <dsp:cNvSpPr/>
-      </dsp:nvSpPr>
-      <dsp:spPr>
-        <a:xfrm>
-          <a:off x="5258345" y="2709333"/>
-          <a:ext cx="477738" cy="1027137"/>
-        </a:xfrm>
-        <a:custGeom>
-          <a:avLst/>
-          <a:gdLst/>
-          <a:ahLst/>
-          <a:cxnLst/>
-          <a:rect l="0" t="0" r="0" b="0"/>
-          <a:pathLst>
-            <a:path>
-              <a:moveTo>
-                <a:pt x="0" y="0"/>
-              </a:moveTo>
-              <a:lnTo>
-                <a:pt x="238869" y="0"/>
-              </a:lnTo>
-              <a:lnTo>
-                <a:pt x="238869" y="1027137"/>
-              </a:lnTo>
-              <a:lnTo>
-                <a:pt x="477738" y="1027137"/>
-              </a:lnTo>
-            </a:path>
-          </a:pathLst>
-        </a:custGeom>
-        <a:noFill/>
-        <a:ln w="12700" cap="flat" cmpd="sng" algn="ctr">
-          <a:solidFill>
-            <a:schemeClr val="accent3">
-              <a:shade val="80000"/>
-              <a:hueOff val="0"/>
-              <a:satOff val="0"/>
-              <a:lumOff val="0"/>
-              <a:alphaOff val="0"/>
-            </a:schemeClr>
-          </a:solidFill>
-          <a:prstDash val="solid"/>
-          <a:miter lim="800000"/>
-        </a:ln>
-        <a:effectLst/>
-      </dsp:spPr>
-      <dsp:style>
-        <a:lnRef idx="2">
-          <a:scrgbClr r="0" g="0" b="0"/>
-        </a:lnRef>
-        <a:fillRef idx="0">
-          <a:scrgbClr r="0" g="0" b="0"/>
-        </a:fillRef>
-        <a:effectRef idx="0">
-          <a:scrgbClr r="0" g="0" b="0"/>
-        </a:effectRef>
-        <a:fontRef idx="minor"/>
-      </dsp:style>
-    </dsp:sp>
-    <dsp:sp modelId="{0FED9105-EF4E-4675-B634-21DAEDC60F15}">
-      <dsp:nvSpPr>
-        <dsp:cNvPr id="0" name=""/>
-        <dsp:cNvSpPr/>
-      </dsp:nvSpPr>
-      <dsp:spPr>
-        <a:xfrm>
-          <a:off x="5258345" y="2663613"/>
-          <a:ext cx="477738" cy="91440"/>
-        </a:xfrm>
-        <a:custGeom>
-          <a:avLst/>
-          <a:gdLst/>
-          <a:ahLst/>
-          <a:cxnLst/>
-          <a:rect l="0" t="0" r="0" b="0"/>
-          <a:pathLst>
-            <a:path>
-              <a:moveTo>
-                <a:pt x="0" y="45720"/>
-              </a:moveTo>
-              <a:lnTo>
-                <a:pt x="477738" y="45720"/>
-              </a:lnTo>
-            </a:path>
-          </a:pathLst>
-        </a:custGeom>
-        <a:noFill/>
-        <a:ln w="12700" cap="flat" cmpd="sng" algn="ctr">
-          <a:solidFill>
-            <a:schemeClr val="accent3">
-              <a:shade val="80000"/>
-              <a:hueOff val="0"/>
-              <a:satOff val="0"/>
-              <a:lumOff val="0"/>
-              <a:alphaOff val="0"/>
-            </a:schemeClr>
-          </a:solidFill>
-          <a:prstDash val="solid"/>
-          <a:miter lim="800000"/>
-        </a:ln>
-        <a:effectLst/>
-      </dsp:spPr>
-      <dsp:style>
-        <a:lnRef idx="2">
-          <a:scrgbClr r="0" g="0" b="0"/>
-        </a:lnRef>
-        <a:fillRef idx="0">
-          <a:scrgbClr r="0" g="0" b="0"/>
-        </a:fillRef>
-        <a:effectRef idx="0">
-          <a:scrgbClr r="0" g="0" b="0"/>
-        </a:effectRef>
-        <a:fontRef idx="minor"/>
-      </dsp:style>
-    </dsp:sp>
-    <dsp:sp modelId="{30F63EBD-C54C-47E7-AEC7-E7753D77A22A}">
-      <dsp:nvSpPr>
-        <dsp:cNvPr id="0" name=""/>
-        <dsp:cNvSpPr/>
-      </dsp:nvSpPr>
-      <dsp:spPr>
-        <a:xfrm>
-          <a:off x="5258345" y="1682196"/>
-          <a:ext cx="477738" cy="1027137"/>
-        </a:xfrm>
-        <a:custGeom>
-          <a:avLst/>
-          <a:gdLst/>
-          <a:ahLst/>
-          <a:cxnLst/>
-          <a:rect l="0" t="0" r="0" b="0"/>
-          <a:pathLst>
-            <a:path>
-              <a:moveTo>
-                <a:pt x="0" y="1027137"/>
-              </a:moveTo>
-              <a:lnTo>
-                <a:pt x="238869" y="1027137"/>
-              </a:lnTo>
-              <a:lnTo>
-                <a:pt x="238869" y="0"/>
-              </a:lnTo>
-              <a:lnTo>
-                <a:pt x="477738" y="0"/>
-              </a:lnTo>
-            </a:path>
-          </a:pathLst>
-        </a:custGeom>
-        <a:noFill/>
-        <a:ln w="12700" cap="flat" cmpd="sng" algn="ctr">
-          <a:solidFill>
-            <a:schemeClr val="accent3">
-              <a:shade val="80000"/>
-              <a:hueOff val="0"/>
-              <a:satOff val="0"/>
-              <a:lumOff val="0"/>
-              <a:alphaOff val="0"/>
-            </a:schemeClr>
-          </a:solidFill>
-          <a:prstDash val="solid"/>
-          <a:miter lim="800000"/>
-        </a:ln>
-        <a:effectLst/>
-      </dsp:spPr>
-      <dsp:style>
-        <a:lnRef idx="2">
-          <a:scrgbClr r="0" g="0" b="0"/>
-        </a:lnRef>
-        <a:fillRef idx="0">
-          <a:scrgbClr r="0" g="0" b="0"/>
-        </a:fillRef>
-        <a:effectRef idx="0">
-          <a:scrgbClr r="0" g="0" b="0"/>
-        </a:effectRef>
-        <a:fontRef idx="minor"/>
-      </dsp:style>
-    </dsp:sp>
-    <dsp:sp modelId="{06E501C0-6E09-450B-B60C-C94EED7D3E27}">
-      <dsp:nvSpPr>
-        <dsp:cNvPr id="0" name=""/>
-        <dsp:cNvSpPr/>
-      </dsp:nvSpPr>
-      <dsp:spPr>
-        <a:xfrm>
-          <a:off x="2391916" y="2195764"/>
-          <a:ext cx="477738" cy="513568"/>
-        </a:xfrm>
-        <a:custGeom>
-          <a:avLst/>
-          <a:gdLst/>
-          <a:ahLst/>
-          <a:cxnLst/>
-          <a:rect l="0" t="0" r="0" b="0"/>
-          <a:pathLst>
-            <a:path>
-              <a:moveTo>
-                <a:pt x="0" y="0"/>
-              </a:moveTo>
-              <a:lnTo>
-                <a:pt x="238869" y="0"/>
-              </a:lnTo>
-              <a:lnTo>
-                <a:pt x="238869" y="513568"/>
-              </a:lnTo>
-              <a:lnTo>
-                <a:pt x="477738" y="513568"/>
-              </a:lnTo>
-            </a:path>
-          </a:pathLst>
-        </a:custGeom>
-        <a:noFill/>
-        <a:ln w="12700" cap="flat" cmpd="sng" algn="ctr">
-          <a:solidFill>
-            <a:schemeClr val="accent3">
-              <a:shade val="60000"/>
-              <a:hueOff val="0"/>
-              <a:satOff val="0"/>
-              <a:lumOff val="0"/>
-              <a:alphaOff val="0"/>
-            </a:schemeClr>
-          </a:solidFill>
-          <a:prstDash val="solid"/>
-          <a:miter lim="800000"/>
-        </a:ln>
-        <a:effectLst/>
-      </dsp:spPr>
-      <dsp:style>
-        <a:lnRef idx="2">
-          <a:scrgbClr r="0" g="0" b="0"/>
-        </a:lnRef>
-        <a:fillRef idx="0">
-          <a:scrgbClr r="0" g="0" b="0"/>
-        </a:fillRef>
-        <a:effectRef idx="0">
-          <a:scrgbClr r="0" g="0" b="0"/>
-        </a:effectRef>
-        <a:fontRef idx="minor"/>
-      </dsp:style>
-    </dsp:sp>
-    <dsp:sp modelId="{D0656258-BE31-4352-AAB8-56C3797ED266}">
-      <dsp:nvSpPr>
-        <dsp:cNvPr id="0" name=""/>
-        <dsp:cNvSpPr/>
-      </dsp:nvSpPr>
-      <dsp:spPr>
-        <a:xfrm>
-          <a:off x="2391916" y="1682196"/>
-          <a:ext cx="477738" cy="513568"/>
-        </a:xfrm>
-        <a:custGeom>
-          <a:avLst/>
-          <a:gdLst/>
-          <a:ahLst/>
-          <a:cxnLst/>
-          <a:rect l="0" t="0" r="0" b="0"/>
-          <a:pathLst>
-            <a:path>
-              <a:moveTo>
-                <a:pt x="0" y="513568"/>
-              </a:moveTo>
-              <a:lnTo>
-                <a:pt x="238869" y="513568"/>
-              </a:lnTo>
-              <a:lnTo>
-                <a:pt x="238869" y="0"/>
-              </a:lnTo>
-              <a:lnTo>
-                <a:pt x="477738" y="0"/>
-              </a:lnTo>
-            </a:path>
-          </a:pathLst>
-        </a:custGeom>
-        <a:noFill/>
-        <a:ln w="12700" cap="flat" cmpd="sng" algn="ctr">
-          <a:solidFill>
-            <a:schemeClr val="accent3">
-              <a:shade val="60000"/>
-              <a:hueOff val="0"/>
-              <a:satOff val="0"/>
-              <a:lumOff val="0"/>
-              <a:alphaOff val="0"/>
-            </a:schemeClr>
-          </a:solidFill>
-          <a:prstDash val="solid"/>
-          <a:miter lim="800000"/>
-        </a:ln>
-        <a:effectLst/>
-      </dsp:spPr>
-      <dsp:style>
-        <a:lnRef idx="2">
-          <a:scrgbClr r="0" g="0" b="0"/>
-        </a:lnRef>
-        <a:fillRef idx="0">
-          <a:scrgbClr r="0" g="0" b="0"/>
-        </a:fillRef>
-        <a:effectRef idx="0">
-          <a:scrgbClr r="0" g="0" b="0"/>
-        </a:effectRef>
-        <a:fontRef idx="minor"/>
-      </dsp:style>
-    </dsp:sp>
-    <dsp:sp modelId="{A6076F35-7170-4BDB-BAA0-904E5E35EE9D}">
-      <dsp:nvSpPr>
-        <dsp:cNvPr id="0" name=""/>
-        <dsp:cNvSpPr/>
-      </dsp:nvSpPr>
-      <dsp:spPr>
-        <a:xfrm>
-          <a:off x="3224" y="1831489"/>
-          <a:ext cx="2388691" cy="728550"/>
-        </a:xfrm>
-        <a:prstGeom prst="rect">
-          <a:avLst/>
-        </a:prstGeom>
-        <a:solidFill>
-          <a:schemeClr val="lt1">
-            <a:hueOff val="0"/>
-            <a:satOff val="0"/>
-            <a:lumOff val="0"/>
-            <a:alphaOff val="0"/>
-          </a:schemeClr>
-        </a:solidFill>
-        <a:ln w="12700" cap="flat" cmpd="sng" algn="ctr">
-          <a:solidFill>
-            <a:schemeClr val="accent3">
-              <a:shade val="80000"/>
-              <a:hueOff val="0"/>
-              <a:satOff val="0"/>
-              <a:lumOff val="0"/>
-              <a:alphaOff val="0"/>
-            </a:schemeClr>
-          </a:solidFill>
-          <a:prstDash val="solid"/>
-          <a:miter lim="800000"/>
-        </a:ln>
-        <a:effectLst/>
-      </dsp:spPr>
-      <dsp:style>
-        <a:lnRef idx="2">
-          <a:scrgbClr r="0" g="0" b="0"/>
-        </a:lnRef>
-        <a:fillRef idx="1">
-          <a:scrgbClr r="0" g="0" b="0"/>
-        </a:fillRef>
-        <a:effectRef idx="0">
-          <a:scrgbClr r="0" g="0" b="0"/>
-        </a:effectRef>
-        <a:fontRef idx="minor">
-          <a:schemeClr val="lt1"/>
-        </a:fontRef>
-      </dsp:style>
-      <dsp:txBody>
-        <a:bodyPr spcFirstLastPara="0" vert="horz" wrap="square" lIns="17780" tIns="17780" rIns="17780" bIns="17780" numCol="1" spcCol="1270" anchor="ctr" anchorCtr="0">
-          <a:noAutofit/>
-        </a:bodyPr>
-        <a:lstStyle/>
-        <a:p>
-          <a:pPr lvl="0" algn="ctr" defTabSz="1244600">
-            <a:lnSpc>
-              <a:spcPct val="90000"/>
-            </a:lnSpc>
-            <a:spcBef>
-              <a:spcPct val="0"/>
-            </a:spcBef>
-            <a:spcAft>
-              <a:spcPct val="35000"/>
-            </a:spcAft>
-          </a:pPr>
-          <a:r>
-            <a:rPr lang="en-US" sz="2800" kern="1200" dirty="0" smtClean="0"/>
-            <a:t>Work Study</a:t>
-          </a:r>
-          <a:endParaRPr lang="en-US" sz="2800" kern="1200" dirty="0"/>
-        </a:p>
-      </dsp:txBody>
-      <dsp:txXfrm>
-        <a:off x="3224" y="1831489"/>
-        <a:ext cx="2388691" cy="728550"/>
-      </dsp:txXfrm>
-    </dsp:sp>
-    <dsp:sp modelId="{99A8A816-DEAE-4083-BF66-6F86249CFF6D}">
-      <dsp:nvSpPr>
-        <dsp:cNvPr id="0" name=""/>
-        <dsp:cNvSpPr/>
-      </dsp:nvSpPr>
-      <dsp:spPr>
-        <a:xfrm>
-          <a:off x="2869654" y="1317920"/>
-          <a:ext cx="2388691" cy="728550"/>
-        </a:xfrm>
-        <a:prstGeom prst="rect">
-          <a:avLst/>
-        </a:prstGeom>
-        <a:solidFill>
-          <a:schemeClr val="lt1">
-            <a:hueOff val="0"/>
-            <a:satOff val="0"/>
-            <a:lumOff val="0"/>
-            <a:alphaOff val="0"/>
-          </a:schemeClr>
-        </a:solidFill>
-        <a:ln w="12700" cap="flat" cmpd="sng" algn="ctr">
-          <a:solidFill>
-            <a:schemeClr val="accent3">
-              <a:shade val="80000"/>
-              <a:hueOff val="0"/>
-              <a:satOff val="0"/>
-              <a:lumOff val="0"/>
-              <a:alphaOff val="0"/>
-            </a:schemeClr>
-          </a:solidFill>
-          <a:prstDash val="solid"/>
-          <a:miter lim="800000"/>
-        </a:ln>
-        <a:effectLst/>
-      </dsp:spPr>
-      <dsp:style>
-        <a:lnRef idx="2">
-          <a:scrgbClr r="0" g="0" b="0"/>
-        </a:lnRef>
-        <a:fillRef idx="1">
-          <a:scrgbClr r="0" g="0" b="0"/>
-        </a:fillRef>
-        <a:effectRef idx="0">
-          <a:scrgbClr r="0" g="0" b="0"/>
-        </a:effectRef>
-        <a:fontRef idx="minor">
-          <a:schemeClr val="lt1"/>
-        </a:fontRef>
-      </dsp:style>
-      <dsp:txBody>
-        <a:bodyPr spcFirstLastPara="0" vert="horz" wrap="square" lIns="17780" tIns="17780" rIns="17780" bIns="17780" numCol="1" spcCol="1270" anchor="ctr" anchorCtr="0">
-          <a:noAutofit/>
-        </a:bodyPr>
-        <a:lstStyle/>
-        <a:p>
-          <a:pPr lvl="0" algn="ctr" defTabSz="1244600">
-            <a:lnSpc>
-              <a:spcPct val="90000"/>
-            </a:lnSpc>
-            <a:spcBef>
-              <a:spcPct val="0"/>
-            </a:spcBef>
-            <a:spcAft>
-              <a:spcPct val="35000"/>
-            </a:spcAft>
-          </a:pPr>
-          <a:r>
-            <a:rPr lang="en-US" sz="2800" kern="1200" dirty="0" smtClean="0"/>
-            <a:t>Method Study</a:t>
-          </a:r>
-          <a:endParaRPr lang="en-US" sz="2800" kern="1200" dirty="0"/>
-        </a:p>
-      </dsp:txBody>
-      <dsp:txXfrm>
-        <a:off x="2869654" y="1317920"/>
-        <a:ext cx="2388691" cy="728550"/>
-      </dsp:txXfrm>
-    </dsp:sp>
-    <dsp:sp modelId="{015CD972-6F6F-4BAA-A251-46E95BBC0F27}">
-      <dsp:nvSpPr>
-        <dsp:cNvPr id="0" name=""/>
-        <dsp:cNvSpPr/>
-      </dsp:nvSpPr>
-      <dsp:spPr>
-        <a:xfrm>
-          <a:off x="2869654" y="2345058"/>
-          <a:ext cx="2388691" cy="728550"/>
-        </a:xfrm>
-        <a:prstGeom prst="rect">
-          <a:avLst/>
-        </a:prstGeom>
-        <a:solidFill>
-          <a:schemeClr val="lt1">
-            <a:hueOff val="0"/>
-            <a:satOff val="0"/>
-            <a:lumOff val="0"/>
-            <a:alphaOff val="0"/>
-          </a:schemeClr>
-        </a:solidFill>
-        <a:ln w="12700" cap="flat" cmpd="sng" algn="ctr">
-          <a:solidFill>
-            <a:schemeClr val="accent3">
-              <a:shade val="80000"/>
-              <a:hueOff val="0"/>
-              <a:satOff val="0"/>
-              <a:lumOff val="0"/>
-              <a:alphaOff val="0"/>
-            </a:schemeClr>
-          </a:solidFill>
-          <a:prstDash val="solid"/>
-          <a:miter lim="800000"/>
-        </a:ln>
-        <a:effectLst/>
-      </dsp:spPr>
-      <dsp:style>
-        <a:lnRef idx="2">
-          <a:scrgbClr r="0" g="0" b="0"/>
-        </a:lnRef>
-        <a:fillRef idx="1">
-          <a:scrgbClr r="0" g="0" b="0"/>
-        </a:fillRef>
-        <a:effectRef idx="0">
-          <a:scrgbClr r="0" g="0" b="0"/>
-        </a:effectRef>
-        <a:fontRef idx="minor">
-          <a:schemeClr val="lt1"/>
-        </a:fontRef>
-      </dsp:style>
-      <dsp:txBody>
-        <a:bodyPr spcFirstLastPara="0" vert="horz" wrap="square" lIns="17780" tIns="17780" rIns="17780" bIns="17780" numCol="1" spcCol="1270" anchor="ctr" anchorCtr="0">
-          <a:noAutofit/>
-        </a:bodyPr>
-        <a:lstStyle/>
-        <a:p>
-          <a:pPr lvl="0" algn="ctr" defTabSz="1244600">
-            <a:lnSpc>
-              <a:spcPct val="90000"/>
-            </a:lnSpc>
-            <a:spcBef>
-              <a:spcPct val="0"/>
-            </a:spcBef>
-            <a:spcAft>
-              <a:spcPct val="35000"/>
-            </a:spcAft>
-          </a:pPr>
-          <a:r>
-            <a:rPr lang="en-US" sz="2800" kern="1200" dirty="0" smtClean="0"/>
-            <a:t>Work Measurement</a:t>
-          </a:r>
-          <a:endParaRPr lang="en-US" sz="2800" kern="1200" dirty="0"/>
-        </a:p>
-      </dsp:txBody>
-      <dsp:txXfrm>
-        <a:off x="2869654" y="2345058"/>
-        <a:ext cx="2388691" cy="728550"/>
-      </dsp:txXfrm>
-    </dsp:sp>
-    <dsp:sp modelId="{5CB40F83-2FA6-4131-9FD5-085ED25F6EEB}">
-      <dsp:nvSpPr>
-        <dsp:cNvPr id="0" name=""/>
-        <dsp:cNvSpPr/>
-      </dsp:nvSpPr>
-      <dsp:spPr>
-        <a:xfrm>
-          <a:off x="5736083" y="1317920"/>
-          <a:ext cx="2388691" cy="728550"/>
-        </a:xfrm>
-        <a:prstGeom prst="rect">
-          <a:avLst/>
-        </a:prstGeom>
-        <a:solidFill>
-          <a:schemeClr val="lt1">
-            <a:hueOff val="0"/>
-            <a:satOff val="0"/>
-            <a:lumOff val="0"/>
-            <a:alphaOff val="0"/>
-          </a:schemeClr>
-        </a:solidFill>
-        <a:ln w="12700" cap="flat" cmpd="sng" algn="ctr">
-          <a:solidFill>
-            <a:schemeClr val="accent3">
-              <a:shade val="80000"/>
-              <a:hueOff val="0"/>
-              <a:satOff val="0"/>
-              <a:lumOff val="0"/>
-              <a:alphaOff val="0"/>
-            </a:schemeClr>
-          </a:solidFill>
-          <a:prstDash val="solid"/>
-          <a:miter lim="800000"/>
-        </a:ln>
-        <a:effectLst/>
-      </dsp:spPr>
-      <dsp:style>
-        <a:lnRef idx="2">
-          <a:scrgbClr r="0" g="0" b="0"/>
-        </a:lnRef>
-        <a:fillRef idx="1">
-          <a:scrgbClr r="0" g="0" b="0"/>
-        </a:fillRef>
-        <a:effectRef idx="0">
-          <a:scrgbClr r="0" g="0" b="0"/>
-        </a:effectRef>
-        <a:fontRef idx="minor">
-          <a:schemeClr val="lt1"/>
-        </a:fontRef>
-      </dsp:style>
-      <dsp:txBody>
-        <a:bodyPr spcFirstLastPara="0" vert="horz" wrap="square" lIns="17780" tIns="17780" rIns="17780" bIns="17780" numCol="1" spcCol="1270" anchor="ctr" anchorCtr="0">
-          <a:noAutofit/>
-        </a:bodyPr>
-        <a:lstStyle/>
-        <a:p>
-          <a:pPr lvl="0" algn="ctr" defTabSz="1244600">
-            <a:lnSpc>
-              <a:spcPct val="90000"/>
-            </a:lnSpc>
-            <a:spcBef>
-              <a:spcPct val="0"/>
-            </a:spcBef>
-            <a:spcAft>
-              <a:spcPct val="35000"/>
-            </a:spcAft>
-          </a:pPr>
-          <a:r>
-            <a:rPr lang="en-US" sz="2800" kern="1200" dirty="0" smtClean="0"/>
-            <a:t>Stop watch time study</a:t>
-          </a:r>
-          <a:endParaRPr lang="en-US" sz="2800" kern="1200" dirty="0"/>
-        </a:p>
-      </dsp:txBody>
-      <dsp:txXfrm>
-        <a:off x="5736083" y="1317920"/>
-        <a:ext cx="2388691" cy="728550"/>
-      </dsp:txXfrm>
-    </dsp:sp>
-    <dsp:sp modelId="{3E5CE673-C630-438A-9CC8-AC6FF25FD608}">
-      <dsp:nvSpPr>
-        <dsp:cNvPr id="0" name=""/>
-        <dsp:cNvSpPr/>
-      </dsp:nvSpPr>
-      <dsp:spPr>
-        <a:xfrm>
-          <a:off x="5736083" y="2345058"/>
-          <a:ext cx="2388691" cy="728550"/>
-        </a:xfrm>
-        <a:prstGeom prst="rect">
-          <a:avLst/>
-        </a:prstGeom>
-        <a:solidFill>
-          <a:schemeClr val="lt1">
-            <a:hueOff val="0"/>
-            <a:satOff val="0"/>
-            <a:lumOff val="0"/>
-            <a:alphaOff val="0"/>
-          </a:schemeClr>
-        </a:solidFill>
-        <a:ln w="12700" cap="flat" cmpd="sng" algn="ctr">
-          <a:solidFill>
-            <a:schemeClr val="accent3">
-              <a:shade val="80000"/>
-              <a:hueOff val="0"/>
-              <a:satOff val="0"/>
-              <a:lumOff val="0"/>
-              <a:alphaOff val="0"/>
-            </a:schemeClr>
-          </a:solidFill>
-          <a:prstDash val="solid"/>
-          <a:miter lim="800000"/>
-        </a:ln>
-        <a:effectLst/>
-      </dsp:spPr>
-      <dsp:style>
-        <a:lnRef idx="2">
-          <a:scrgbClr r="0" g="0" b="0"/>
-        </a:lnRef>
-        <a:fillRef idx="1">
-          <a:scrgbClr r="0" g="0" b="0"/>
-        </a:fillRef>
-        <a:effectRef idx="0">
-          <a:scrgbClr r="0" g="0" b="0"/>
-        </a:effectRef>
-        <a:fontRef idx="minor">
-          <a:schemeClr val="lt1"/>
-        </a:fontRef>
-      </dsp:style>
-      <dsp:txBody>
-        <a:bodyPr spcFirstLastPara="0" vert="horz" wrap="square" lIns="17780" tIns="17780" rIns="17780" bIns="17780" numCol="1" spcCol="1270" anchor="ctr" anchorCtr="0">
-          <a:noAutofit/>
-        </a:bodyPr>
-        <a:lstStyle/>
-        <a:p>
-          <a:pPr lvl="0" algn="ctr" defTabSz="1244600">
-            <a:lnSpc>
-              <a:spcPct val="90000"/>
-            </a:lnSpc>
-            <a:spcBef>
-              <a:spcPct val="0"/>
-            </a:spcBef>
-            <a:spcAft>
-              <a:spcPct val="35000"/>
-            </a:spcAft>
-          </a:pPr>
-          <a:r>
-            <a:rPr lang="en-US" sz="2800" kern="1200" dirty="0" smtClean="0"/>
-            <a:t>Work Sampling</a:t>
-          </a:r>
-          <a:endParaRPr lang="en-US" sz="2800" kern="1200" dirty="0"/>
-        </a:p>
-      </dsp:txBody>
-      <dsp:txXfrm>
-        <a:off x="5736083" y="2345058"/>
-        <a:ext cx="2388691" cy="728550"/>
-      </dsp:txXfrm>
-    </dsp:sp>
-    <dsp:sp modelId="{EA935977-698D-42E7-A0BD-9322E2A5BB3D}">
-      <dsp:nvSpPr>
-        <dsp:cNvPr id="0" name=""/>
-        <dsp:cNvSpPr/>
-      </dsp:nvSpPr>
-      <dsp:spPr>
-        <a:xfrm>
-          <a:off x="5736083" y="3372195"/>
-          <a:ext cx="2388691" cy="728550"/>
-        </a:xfrm>
-        <a:prstGeom prst="rect">
-          <a:avLst/>
-        </a:prstGeom>
-        <a:solidFill>
-          <a:schemeClr val="lt1">
-            <a:hueOff val="0"/>
-            <a:satOff val="0"/>
-            <a:lumOff val="0"/>
-            <a:alphaOff val="0"/>
-          </a:schemeClr>
-        </a:solidFill>
-        <a:ln w="12700" cap="flat" cmpd="sng" algn="ctr">
-          <a:solidFill>
-            <a:schemeClr val="accent3">
-              <a:shade val="80000"/>
-              <a:hueOff val="0"/>
-              <a:satOff val="0"/>
-              <a:lumOff val="0"/>
-              <a:alphaOff val="0"/>
-            </a:schemeClr>
-          </a:solidFill>
-          <a:prstDash val="solid"/>
-          <a:miter lim="800000"/>
-        </a:ln>
-        <a:effectLst/>
-      </dsp:spPr>
-      <dsp:style>
-        <a:lnRef idx="2">
-          <a:scrgbClr r="0" g="0" b="0"/>
-        </a:lnRef>
-        <a:fillRef idx="1">
-          <a:scrgbClr r="0" g="0" b="0"/>
-        </a:fillRef>
-        <a:effectRef idx="0">
-          <a:scrgbClr r="0" g="0" b="0"/>
-        </a:effectRef>
-        <a:fontRef idx="minor">
-          <a:schemeClr val="lt1"/>
-        </a:fontRef>
-      </dsp:style>
-      <dsp:txBody>
-        <a:bodyPr spcFirstLastPara="0" vert="horz" wrap="square" lIns="17780" tIns="17780" rIns="17780" bIns="17780" numCol="1" spcCol="1270" anchor="ctr" anchorCtr="0">
-          <a:noAutofit/>
-        </a:bodyPr>
-        <a:lstStyle/>
-        <a:p>
-          <a:pPr lvl="0" algn="ctr" defTabSz="1244600">
-            <a:lnSpc>
-              <a:spcPct val="90000"/>
-            </a:lnSpc>
-            <a:spcBef>
-              <a:spcPct val="0"/>
-            </a:spcBef>
-            <a:spcAft>
-              <a:spcPct val="35000"/>
-            </a:spcAft>
-          </a:pPr>
-          <a:r>
-            <a:rPr lang="en-US" sz="2800" kern="1200" dirty="0" smtClean="0"/>
-            <a:t>Predetermined Data</a:t>
-          </a:r>
-          <a:endParaRPr lang="en-US" sz="2800" kern="1200" dirty="0"/>
-        </a:p>
-      </dsp:txBody>
-      <dsp:txXfrm>
-        <a:off x="5736083" y="3372195"/>
-        <a:ext cx="2388691" cy="728550"/>
-      </dsp:txXfrm>
-    </dsp:sp>
   </dsp:spTree>
 </dsp:drawing>
 </file>
@@ -4714,7 +3972,7 @@
           <a:p>
             <a:fld id="{2C863A44-6A22-454B-AF2B-5A564DDAE8A7}" type="datetimeFigureOut">
               <a:rPr lang="en-US" smtClean="0"/>
-              <a:t>7/28/2018</a:t>
+              <a:t>8/4/2018</a:t>
             </a:fld>
             <a:endParaRPr lang="en-US"/>
           </a:p>
@@ -5552,6 +4810,262 @@
 </p:notes>
 </file>
 
+<file path=ppt/notesSlides/notesSlide4.xml><?xml version="1.0" encoding="utf-8"?>
+<p:notes xmlns:a="http://schemas.openxmlformats.org/drawingml/2006/main" xmlns:r="http://schemas.openxmlformats.org/officeDocument/2006/relationships" xmlns:p="http://schemas.openxmlformats.org/presentationml/2006/main">
+  <p:cSld>
+    <p:spTree>
+      <p:nvGrpSpPr>
+        <p:cNvPr id="1" name=""/>
+        <p:cNvGrpSpPr/>
+        <p:nvPr/>
+      </p:nvGrpSpPr>
+      <p:grpSpPr>
+        <a:xfrm>
+          <a:off x="0" y="0"/>
+          <a:ext cx="0" cy="0"/>
+          <a:chOff x="0" y="0"/>
+          <a:chExt cx="0" cy="0"/>
+        </a:xfrm>
+      </p:grpSpPr>
+      <p:sp>
+        <p:nvSpPr>
+          <p:cNvPr id="2" name="Slide Image Placeholder 1"/>
+          <p:cNvSpPr>
+            <a:spLocks noGrp="1" noRot="1" noChangeAspect="1"/>
+          </p:cNvSpPr>
+          <p:nvPr>
+            <p:ph type="sldImg"/>
+          </p:nvPr>
+        </p:nvSpPr>
+        <p:spPr/>
+      </p:sp>
+      <p:sp>
+        <p:nvSpPr>
+          <p:cNvPr id="3" name="Notes Placeholder 2"/>
+          <p:cNvSpPr>
+            <a:spLocks noGrp="1"/>
+          </p:cNvSpPr>
+          <p:nvPr>
+            <p:ph type="body" idx="1"/>
+          </p:nvPr>
+        </p:nvSpPr>
+        <p:spPr/>
+        <p:txBody>
+          <a:bodyPr/>
+          <a:lstStyle/>
+          <a:p>
+            <a:r>
+              <a:rPr lang="en-US" dirty="0" smtClean="0"/>
+              <a:t>p332</a:t>
+            </a:r>
+            <a:endParaRPr lang="en-US" dirty="0"/>
+          </a:p>
+        </p:txBody>
+      </p:sp>
+      <p:sp>
+        <p:nvSpPr>
+          <p:cNvPr id="4" name="Slide Number Placeholder 3"/>
+          <p:cNvSpPr>
+            <a:spLocks noGrp="1"/>
+          </p:cNvSpPr>
+          <p:nvPr>
+            <p:ph type="sldNum" sz="quarter" idx="10"/>
+          </p:nvPr>
+        </p:nvSpPr>
+        <p:spPr/>
+        <p:txBody>
+          <a:bodyPr/>
+          <a:lstStyle/>
+          <a:p>
+            <a:fld id="{A2544F51-5036-448E-804E-07AEC25B139B}" type="slidenum">
+              <a:rPr lang="en-US" smtClean="0"/>
+              <a:t>16</a:t>
+            </a:fld>
+            <a:endParaRPr lang="en-US"/>
+          </a:p>
+        </p:txBody>
+      </p:sp>
+    </p:spTree>
+    <p:extLst>
+      <p:ext uri="{BB962C8B-B14F-4D97-AF65-F5344CB8AC3E}">
+        <p14:creationId xmlns:p14="http://schemas.microsoft.com/office/powerpoint/2010/main" val="741213490"/>
+      </p:ext>
+    </p:extLst>
+  </p:cSld>
+  <p:clrMapOvr>
+    <a:masterClrMapping/>
+  </p:clrMapOvr>
+</p:notes>
+</file>
+
+<file path=ppt/notesSlides/notesSlide5.xml><?xml version="1.0" encoding="utf-8"?>
+<p:notes xmlns:a="http://schemas.openxmlformats.org/drawingml/2006/main" xmlns:r="http://schemas.openxmlformats.org/officeDocument/2006/relationships" xmlns:p="http://schemas.openxmlformats.org/presentationml/2006/main">
+  <p:cSld>
+    <p:spTree>
+      <p:nvGrpSpPr>
+        <p:cNvPr id="1" name=""/>
+        <p:cNvGrpSpPr/>
+        <p:nvPr/>
+      </p:nvGrpSpPr>
+      <p:grpSpPr>
+        <a:xfrm>
+          <a:off x="0" y="0"/>
+          <a:ext cx="0" cy="0"/>
+          <a:chOff x="0" y="0"/>
+          <a:chExt cx="0" cy="0"/>
+        </a:xfrm>
+      </p:grpSpPr>
+      <p:sp>
+        <p:nvSpPr>
+          <p:cNvPr id="2" name="Slide Image Placeholder 1"/>
+          <p:cNvSpPr>
+            <a:spLocks noGrp="1" noRot="1" noChangeAspect="1"/>
+          </p:cNvSpPr>
+          <p:nvPr>
+            <p:ph type="sldImg"/>
+          </p:nvPr>
+        </p:nvSpPr>
+        <p:spPr/>
+      </p:sp>
+      <p:sp>
+        <p:nvSpPr>
+          <p:cNvPr id="3" name="Notes Placeholder 2"/>
+          <p:cNvSpPr>
+            <a:spLocks noGrp="1"/>
+          </p:cNvSpPr>
+          <p:nvPr>
+            <p:ph type="body" idx="1"/>
+          </p:nvPr>
+        </p:nvSpPr>
+        <p:spPr/>
+        <p:txBody>
+          <a:bodyPr/>
+          <a:lstStyle/>
+          <a:p>
+            <a:endParaRPr lang="en-US" dirty="0"/>
+          </a:p>
+        </p:txBody>
+      </p:sp>
+      <p:sp>
+        <p:nvSpPr>
+          <p:cNvPr id="4" name="Slide Number Placeholder 3"/>
+          <p:cNvSpPr>
+            <a:spLocks noGrp="1"/>
+          </p:cNvSpPr>
+          <p:nvPr>
+            <p:ph type="sldNum" sz="quarter" idx="10"/>
+          </p:nvPr>
+        </p:nvSpPr>
+        <p:spPr/>
+        <p:txBody>
+          <a:bodyPr/>
+          <a:lstStyle/>
+          <a:p>
+            <a:fld id="{A2544F51-5036-448E-804E-07AEC25B139B}" type="slidenum">
+              <a:rPr lang="en-US" smtClean="0"/>
+              <a:t>18</a:t>
+            </a:fld>
+            <a:endParaRPr lang="en-US"/>
+          </a:p>
+        </p:txBody>
+      </p:sp>
+    </p:spTree>
+    <p:extLst>
+      <p:ext uri="{BB962C8B-B14F-4D97-AF65-F5344CB8AC3E}">
+        <p14:creationId xmlns:p14="http://schemas.microsoft.com/office/powerpoint/2010/main" val="4017948346"/>
+      </p:ext>
+    </p:extLst>
+  </p:cSld>
+  <p:clrMapOvr>
+    <a:masterClrMapping/>
+  </p:clrMapOvr>
+</p:notes>
+</file>
+
+<file path=ppt/notesSlides/notesSlide6.xml><?xml version="1.0" encoding="utf-8"?>
+<p:notes xmlns:a="http://schemas.openxmlformats.org/drawingml/2006/main" xmlns:r="http://schemas.openxmlformats.org/officeDocument/2006/relationships" xmlns:p="http://schemas.openxmlformats.org/presentationml/2006/main">
+  <p:cSld>
+    <p:spTree>
+      <p:nvGrpSpPr>
+        <p:cNvPr id="1" name=""/>
+        <p:cNvGrpSpPr/>
+        <p:nvPr/>
+      </p:nvGrpSpPr>
+      <p:grpSpPr>
+        <a:xfrm>
+          <a:off x="0" y="0"/>
+          <a:ext cx="0" cy="0"/>
+          <a:chOff x="0" y="0"/>
+          <a:chExt cx="0" cy="0"/>
+        </a:xfrm>
+      </p:grpSpPr>
+      <p:sp>
+        <p:nvSpPr>
+          <p:cNvPr id="2" name="Slide Image Placeholder 1"/>
+          <p:cNvSpPr>
+            <a:spLocks noGrp="1" noRot="1" noChangeAspect="1"/>
+          </p:cNvSpPr>
+          <p:nvPr>
+            <p:ph type="sldImg"/>
+          </p:nvPr>
+        </p:nvSpPr>
+        <p:spPr/>
+      </p:sp>
+      <p:sp>
+        <p:nvSpPr>
+          <p:cNvPr id="3" name="Notes Placeholder 2"/>
+          <p:cNvSpPr>
+            <a:spLocks noGrp="1"/>
+          </p:cNvSpPr>
+          <p:nvPr>
+            <p:ph type="body" idx="1"/>
+          </p:nvPr>
+        </p:nvSpPr>
+        <p:spPr/>
+        <p:txBody>
+          <a:bodyPr/>
+          <a:lstStyle/>
+          <a:p>
+            <a:endParaRPr lang="en-US" dirty="0"/>
+          </a:p>
+        </p:txBody>
+      </p:sp>
+      <p:sp>
+        <p:nvSpPr>
+          <p:cNvPr id="4" name="Slide Number Placeholder 3"/>
+          <p:cNvSpPr>
+            <a:spLocks noGrp="1"/>
+          </p:cNvSpPr>
+          <p:nvPr>
+            <p:ph type="sldNum" sz="quarter" idx="10"/>
+          </p:nvPr>
+        </p:nvSpPr>
+        <p:spPr/>
+        <p:txBody>
+          <a:bodyPr/>
+          <a:lstStyle/>
+          <a:p>
+            <a:fld id="{A2544F51-5036-448E-804E-07AEC25B139B}" type="slidenum">
+              <a:rPr lang="en-US" smtClean="0"/>
+              <a:t>24</a:t>
+            </a:fld>
+            <a:endParaRPr lang="en-US"/>
+          </a:p>
+        </p:txBody>
+      </p:sp>
+    </p:spTree>
+    <p:extLst>
+      <p:ext uri="{BB962C8B-B14F-4D97-AF65-F5344CB8AC3E}">
+        <p14:creationId xmlns:p14="http://schemas.microsoft.com/office/powerpoint/2010/main" val="3022596264"/>
+      </p:ext>
+    </p:extLst>
+  </p:cSld>
+  <p:clrMapOvr>
+    <a:masterClrMapping/>
+  </p:clrMapOvr>
+</p:notes>
+</file>
+
 <file path=ppt/slideLayouts/slideLayout1.xml><?xml version="1.0" encoding="utf-8"?>
 <p:sldLayout xmlns:a="http://schemas.openxmlformats.org/drawingml/2006/main" xmlns:r="http://schemas.openxmlformats.org/officeDocument/2006/relationships" xmlns:p="http://schemas.openxmlformats.org/presentationml/2006/main" type="title" preserve="1">
   <p:cSld name="Title Slide">
@@ -5683,7 +5197,7 @@
           <a:p>
             <a:fld id="{C0ABAFBD-6EA3-4F89-8B2A-324DDD91D5E5}" type="datetimeFigureOut">
               <a:rPr lang="en-US" smtClean="0"/>
-              <a:t>7/28/2018</a:t>
+              <a:t>8/4/2018</a:t>
             </a:fld>
             <a:endParaRPr lang="en-US"/>
           </a:p>
@@ -5853,7 +5367,7 @@
           <a:p>
             <a:fld id="{C0ABAFBD-6EA3-4F89-8B2A-324DDD91D5E5}" type="datetimeFigureOut">
               <a:rPr lang="en-US" smtClean="0"/>
-              <a:t>7/28/2018</a:t>
+              <a:t>8/4/2018</a:t>
             </a:fld>
             <a:endParaRPr lang="en-US"/>
           </a:p>
@@ -6033,7 +5547,7 @@
           <a:p>
             <a:fld id="{C0ABAFBD-6EA3-4F89-8B2A-324DDD91D5E5}" type="datetimeFigureOut">
               <a:rPr lang="en-US" smtClean="0"/>
-              <a:t>7/28/2018</a:t>
+              <a:t>8/4/2018</a:t>
             </a:fld>
             <a:endParaRPr lang="en-US"/>
           </a:p>
@@ -6203,7 +5717,7 @@
           <a:p>
             <a:fld id="{C0ABAFBD-6EA3-4F89-8B2A-324DDD91D5E5}" type="datetimeFigureOut">
               <a:rPr lang="en-US" smtClean="0"/>
-              <a:t>7/28/2018</a:t>
+              <a:t>8/4/2018</a:t>
             </a:fld>
             <a:endParaRPr lang="en-US"/>
           </a:p>
@@ -6449,7 +5963,7 @@
           <a:p>
             <a:fld id="{C0ABAFBD-6EA3-4F89-8B2A-324DDD91D5E5}" type="datetimeFigureOut">
               <a:rPr lang="en-US" smtClean="0"/>
-              <a:t>7/28/2018</a:t>
+              <a:t>8/4/2018</a:t>
             </a:fld>
             <a:endParaRPr lang="en-US"/>
           </a:p>
@@ -6681,7 +6195,7 @@
           <a:p>
             <a:fld id="{C0ABAFBD-6EA3-4F89-8B2A-324DDD91D5E5}" type="datetimeFigureOut">
               <a:rPr lang="en-US" smtClean="0"/>
-              <a:t>7/28/2018</a:t>
+              <a:t>8/4/2018</a:t>
             </a:fld>
             <a:endParaRPr lang="en-US"/>
           </a:p>
@@ -7048,7 +6562,7 @@
           <a:p>
             <a:fld id="{C0ABAFBD-6EA3-4F89-8B2A-324DDD91D5E5}" type="datetimeFigureOut">
               <a:rPr lang="en-US" smtClean="0"/>
-              <a:t>7/28/2018</a:t>
+              <a:t>8/4/2018</a:t>
             </a:fld>
             <a:endParaRPr lang="en-US"/>
           </a:p>
@@ -7166,7 +6680,7 @@
           <a:p>
             <a:fld id="{C0ABAFBD-6EA3-4F89-8B2A-324DDD91D5E5}" type="datetimeFigureOut">
               <a:rPr lang="en-US" smtClean="0"/>
-              <a:t>7/28/2018</a:t>
+              <a:t>8/4/2018</a:t>
             </a:fld>
             <a:endParaRPr lang="en-US"/>
           </a:p>
@@ -7261,7 +6775,7 @@
           <a:p>
             <a:fld id="{C0ABAFBD-6EA3-4F89-8B2A-324DDD91D5E5}" type="datetimeFigureOut">
               <a:rPr lang="en-US" smtClean="0"/>
-              <a:t>7/28/2018</a:t>
+              <a:t>8/4/2018</a:t>
             </a:fld>
             <a:endParaRPr lang="en-US"/>
           </a:p>
@@ -7538,7 +7052,7 @@
           <a:p>
             <a:fld id="{C0ABAFBD-6EA3-4F89-8B2A-324DDD91D5E5}" type="datetimeFigureOut">
               <a:rPr lang="en-US" smtClean="0"/>
-              <a:t>7/28/2018</a:t>
+              <a:t>8/4/2018</a:t>
             </a:fld>
             <a:endParaRPr lang="en-US"/>
           </a:p>
@@ -7791,7 +7305,7 @@
           <a:p>
             <a:fld id="{C0ABAFBD-6EA3-4F89-8B2A-324DDD91D5E5}" type="datetimeFigureOut">
               <a:rPr lang="en-US" smtClean="0"/>
-              <a:t>7/28/2018</a:t>
+              <a:t>8/4/2018</a:t>
             </a:fld>
             <a:endParaRPr lang="en-US"/>
           </a:p>
@@ -8020,7 +7534,7 @@
           <a:p>
             <a:fld id="{C0ABAFBD-6EA3-4F89-8B2A-324DDD91D5E5}" type="datetimeFigureOut">
               <a:rPr lang="en-US" smtClean="0"/>
-              <a:t>7/28/2018</a:t>
+              <a:t>8/4/2018</a:t>
             </a:fld>
             <a:endParaRPr lang="en-US"/>
           </a:p>
@@ -8458,7 +7972,12 @@
             <p:ph type="subTitle" idx="1"/>
           </p:nvPr>
         </p:nvSpPr>
-        <p:spPr/>
+        <p:spPr>
+          <a:xfrm>
+            <a:off x="1524000" y="4980462"/>
+            <a:ext cx="9144000" cy="1655762"/>
+          </a:xfrm>
+        </p:spPr>
         <p:txBody>
           <a:bodyPr>
             <a:normAutofit/>
@@ -10036,8 +9555,8 @@
           </a:p>
         </p:txBody>
       </p:sp>
-      <mc:AlternateContent xmlns:mc="http://schemas.openxmlformats.org/markup-compatibility/2006">
-        <mc:Choice xmlns:a14="http://schemas.microsoft.com/office/drawing/2010/main" Requires="a14">
+      <mc:AlternateContent xmlns:mc="http://schemas.openxmlformats.org/markup-compatibility/2006" xmlns:a14="http://schemas.microsoft.com/office/drawing/2010/main">
+        <mc:Choice Requires="a14">
           <p:sp>
             <p:nvSpPr>
               <p:cNvPr id="8" name="Rectangle 7"/>
@@ -10067,7 +9586,7 @@
                           <a:srgbClr val="7030A0"/>
                         </a:solidFill>
                         <a:effectLst/>
-                        <a:latin typeface="+mj-lt"/>
+                        <a:latin typeface="Cambria Math" panose="02040503050406030204" pitchFamily="18" charset="0"/>
                       </a:rPr>
                       <m:t>𝑂𝑇</m:t>
                     </m:r>
@@ -10077,7 +9596,7 @@
                           <a:srgbClr val="7030A0"/>
                         </a:solidFill>
                         <a:effectLst/>
-                        <a:latin typeface="+mj-lt"/>
+                        <a:latin typeface="Cambria Math" panose="02040503050406030204" pitchFamily="18" charset="0"/>
                       </a:rPr>
                       <m:t>=</m:t>
                     </m:r>
@@ -10089,7 +9608,7 @@
                               <a:srgbClr val="7030A0"/>
                             </a:solidFill>
                             <a:effectLst/>
-                            <a:latin typeface="+mj-lt"/>
+                            <a:latin typeface="Cambria Math" panose="02040503050406030204" pitchFamily="18" charset="0"/>
                           </a:rPr>
                         </m:ctrlPr>
                       </m:fPr>
@@ -10105,7 +9624,7 @@
                                   <a:srgbClr val="7030A0"/>
                                 </a:solidFill>
                                 <a:effectLst/>
-                                <a:latin typeface="+mj-lt"/>
+                                <a:latin typeface="Cambria Math" panose="02040503050406030204" pitchFamily="18" charset="0"/>
                               </a:rPr>
                             </m:ctrlPr>
                           </m:naryPr>
@@ -10120,7 +9639,7 @@
                                       <a:srgbClr val="7030A0"/>
                                     </a:solidFill>
                                     <a:effectLst/>
-                                    <a:latin typeface="+mj-lt"/>
+                                    <a:latin typeface="Cambria Math" panose="02040503050406030204" pitchFamily="18" charset="0"/>
                                   </a:rPr>
                                 </m:ctrlPr>
                               </m:sSubPr>
@@ -10131,7 +9650,7 @@
                                       <a:srgbClr val="7030A0"/>
                                     </a:solidFill>
                                     <a:effectLst/>
-                                    <a:latin typeface="+mj-lt"/>
+                                    <a:latin typeface="Cambria Math" panose="02040503050406030204" pitchFamily="18" charset="0"/>
                                   </a:rPr>
                                   <m:t>𝑥</m:t>
                                 </m:r>
@@ -10143,7 +9662,7 @@
                                       <a:srgbClr val="7030A0"/>
                                     </a:solidFill>
                                     <a:effectLst/>
-                                    <a:latin typeface="+mj-lt"/>
+                                    <a:latin typeface="Cambria Math" panose="02040503050406030204" pitchFamily="18" charset="0"/>
                                   </a:rPr>
                                   <m:t>𝑖</m:t>
                                 </m:r>
@@ -10159,7 +9678,7 @@
                               <a:srgbClr val="7030A0"/>
                             </a:solidFill>
                             <a:effectLst/>
-                            <a:latin typeface="+mj-lt"/>
+                            <a:latin typeface="Cambria Math" panose="02040503050406030204" pitchFamily="18" charset="0"/>
                           </a:rPr>
                           <m:t>𝑛</m:t>
                         </m:r>
@@ -10194,7 +9713,7 @@
                           <a:srgbClr val="7030A0"/>
                         </a:solidFill>
                         <a:effectLst/>
-                        <a:latin typeface="+mj-lt"/>
+                        <a:latin typeface="Cambria Math" panose="02040503050406030204" pitchFamily="18" charset="0"/>
                       </a:rPr>
                       <m:t>𝑁𝑇</m:t>
                     </m:r>
@@ -10204,7 +9723,7 @@
                           <a:srgbClr val="7030A0"/>
                         </a:solidFill>
                         <a:effectLst/>
-                        <a:latin typeface="+mj-lt"/>
+                        <a:latin typeface="Cambria Math" panose="02040503050406030204" pitchFamily="18" charset="0"/>
                       </a:rPr>
                       <m:t>=</m:t>
                     </m:r>
@@ -10214,7 +9733,7 @@
                           <a:srgbClr val="7030A0"/>
                         </a:solidFill>
                         <a:effectLst/>
-                        <a:latin typeface="+mj-lt"/>
+                        <a:latin typeface="Cambria Math" panose="02040503050406030204" pitchFamily="18" charset="0"/>
                       </a:rPr>
                       <m:t>𝑂𝑇</m:t>
                     </m:r>
@@ -10224,7 +9743,7 @@
                           <a:srgbClr val="7030A0"/>
                         </a:solidFill>
                         <a:effectLst/>
-                        <a:latin typeface="+mj-lt"/>
+                        <a:latin typeface="Cambria Math" panose="02040503050406030204" pitchFamily="18" charset="0"/>
                       </a:rPr>
                       <m:t>∗</m:t>
                     </m:r>
@@ -10234,7 +9753,7 @@
                           <a:srgbClr val="7030A0"/>
                         </a:solidFill>
                         <a:effectLst/>
-                        <a:latin typeface="+mj-lt"/>
+                        <a:latin typeface="Cambria Math" panose="02040503050406030204" pitchFamily="18" charset="0"/>
                       </a:rPr>
                       <m:t>𝑃𝑅</m:t>
                     </m:r>
@@ -10260,7 +9779,7 @@
                           <a:srgbClr val="7030A0"/>
                         </a:solidFill>
                         <a:effectLst/>
-                        <a:latin typeface="+mj-lt"/>
+                        <a:latin typeface="Cambria Math" panose="02040503050406030204" pitchFamily="18" charset="0"/>
                       </a:rPr>
                       <m:t>𝑆𝑇</m:t>
                     </m:r>
@@ -10270,7 +9789,7 @@
                           <a:srgbClr val="7030A0"/>
                         </a:solidFill>
                         <a:effectLst/>
-                        <a:latin typeface="+mj-lt"/>
+                        <a:latin typeface="Cambria Math" panose="02040503050406030204" pitchFamily="18" charset="0"/>
                       </a:rPr>
                       <m:t>=</m:t>
                     </m:r>
@@ -10280,7 +9799,7 @@
                           <a:srgbClr val="7030A0"/>
                         </a:solidFill>
                         <a:effectLst/>
-                        <a:latin typeface="+mj-lt"/>
+                        <a:latin typeface="Cambria Math" panose="02040503050406030204" pitchFamily="18" charset="0"/>
                       </a:rPr>
                       <m:t>𝑁𝑇</m:t>
                     </m:r>
@@ -10290,7 +9809,7 @@
                           <a:srgbClr val="7030A0"/>
                         </a:solidFill>
                         <a:effectLst/>
-                        <a:latin typeface="+mj-lt"/>
+                        <a:latin typeface="Cambria Math" panose="02040503050406030204" pitchFamily="18" charset="0"/>
                       </a:rPr>
                       <m:t>∗</m:t>
                     </m:r>
@@ -10300,7 +9819,7 @@
                           <a:srgbClr val="7030A0"/>
                         </a:solidFill>
                         <a:effectLst/>
-                        <a:latin typeface="+mj-lt"/>
+                        <a:latin typeface="Cambria Math" panose="02040503050406030204" pitchFamily="18" charset="0"/>
                       </a:rPr>
                       <m:t>𝐴𝐹</m:t>
                     </m:r>
@@ -10333,7 +9852,7 @@
             </p:txBody>
           </p:sp>
         </mc:Choice>
-        <mc:Fallback>
+        <mc:Fallback xmlns="">
           <p:sp>
             <p:nvSpPr>
               <p:cNvPr id="8" name="Rectangle 7"/>
@@ -10500,15 +10019,9 @@
         </p:nvSpPr>
         <p:spPr/>
         <p:txBody>
-          <a:bodyPr>
-            <a:normAutofit/>
-          </a:bodyPr>
+          <a:bodyPr/>
           <a:lstStyle/>
           <a:p>
-            <a:r>
-              <a:rPr lang="en-US" dirty="0" smtClean="0"/>
-              <a:t>C. Predetermined time standard systems (e.g., MOST, MTM)</a:t>
-            </a:r>
             <a:endParaRPr lang="en-US" dirty="0"/>
           </a:p>
         </p:txBody>
@@ -10523,19 +10036,139 @@
             <p:ph idx="1"/>
           </p:nvPr>
         </p:nvSpPr>
-        <p:spPr/>
+        <p:spPr>
+          <a:xfrm>
+            <a:off x="838200" y="1825625"/>
+            <a:ext cx="10515600" cy="1845623"/>
+          </a:xfrm>
+        </p:spPr>
         <p:txBody>
-          <a:bodyPr/>
+          <a:bodyPr>
+            <a:normAutofit/>
+          </a:bodyPr>
           <a:lstStyle/>
           <a:p>
-            <a:endParaRPr lang="en-US"/>
+            <a:pPr marL="0" indent="0">
+              <a:buNone/>
+            </a:pPr>
+            <a:r>
+              <a:rPr lang="en-US" sz="2400" dirty="0"/>
+              <a:t>A time study analyst timed an assembly operation for 30 cycles, and </a:t>
+            </a:r>
+            <a:r>
+              <a:rPr lang="en-US" sz="2400" dirty="0" smtClean="0"/>
+              <a:t>computed the time </a:t>
+            </a:r>
+            <a:r>
+              <a:rPr lang="en-US" sz="2400" dirty="0"/>
+              <a:t>per cycle, which was 18.75 minutes. The analyst assigned a performance rating of .96,&lt;11</a:t>
+            </a:r>
+            <a:r>
+              <a:rPr lang="en-US" sz="2400" dirty="0" smtClean="0"/>
+              <a:t>;'(&amp; decided </a:t>
+            </a:r>
+            <a:r>
+              <a:rPr lang="en-US" sz="2400" dirty="0"/>
+              <a:t>that an appropriate allowance was 15 percent-Assume the allowance factor is </a:t>
+            </a:r>
+            <a:r>
+              <a:rPr lang="en-US" sz="2400" dirty="0" smtClean="0"/>
+              <a:t>based</a:t>
+            </a:r>
+            <a:r>
+              <a:rPr lang="en-US" sz="2400" dirty="0"/>
+              <a:t> </a:t>
+            </a:r>
+            <a:r>
+              <a:rPr lang="en-US" sz="2400" dirty="0" smtClean="0"/>
+              <a:t>on the </a:t>
+            </a:r>
+            <a:r>
+              <a:rPr lang="en-US" sz="2400" b="1" i="1" dirty="0">
+                <a:solidFill>
+                  <a:srgbClr val="FF0000"/>
+                </a:solidFill>
+              </a:rPr>
+              <a:t>workday</a:t>
+            </a:r>
+            <a:r>
+              <a:rPr lang="en-US" sz="2400" i="1" dirty="0"/>
+              <a:t>. </a:t>
+            </a:r>
+            <a:r>
+              <a:rPr lang="en-US" sz="2400" i="1" dirty="0" smtClean="0"/>
+              <a:t>De</a:t>
+            </a:r>
+            <a:r>
+              <a:rPr lang="en-US" sz="2400" dirty="0" smtClean="0"/>
+              <a:t>termine </a:t>
+            </a:r>
+            <a:r>
+              <a:rPr lang="en-US" sz="2400" dirty="0"/>
+              <a:t>the following: the </a:t>
+            </a:r>
+            <a:r>
+              <a:rPr lang="en-US" sz="2400" dirty="0" smtClean="0"/>
+              <a:t>observed time, </a:t>
+            </a:r>
+            <a:r>
+              <a:rPr lang="en-US" sz="2400" dirty="0"/>
+              <a:t>the normal time (NT), and </a:t>
+            </a:r>
+            <a:r>
+              <a:rPr lang="en-US" sz="2400" dirty="0" smtClean="0"/>
+              <a:t>the standard </a:t>
+            </a:r>
+            <a:r>
+              <a:rPr lang="en-US" sz="2400" dirty="0"/>
+              <a:t>time (ST). </a:t>
+            </a:r>
           </a:p>
         </p:txBody>
       </p:sp>
+      <p:pic>
+        <p:nvPicPr>
+          <p:cNvPr id="4" name="Picture 3"/>
+          <p:cNvPicPr>
+            <a:picLocks noChangeAspect="1"/>
+          </p:cNvPicPr>
+          <p:nvPr/>
+        </p:nvPicPr>
+        <p:blipFill>
+          <a:blip r:embed="rId2">
+            <a:extLst>
+              <a:ext uri="{BEBA8EAE-BF5A-486C-A8C5-ECC9F3942E4B}">
+                <a14:imgProps xmlns:a14="http://schemas.microsoft.com/office/drawing/2010/main">
+                  <a14:imgLayer r:embed="rId3">
+                    <a14:imgEffect>
+                      <a14:sharpenSoften amount="50000"/>
+                    </a14:imgEffect>
+                    <a14:imgEffect>
+                      <a14:brightnessContrast bright="40000" contrast="-40000"/>
+                    </a14:imgEffect>
+                  </a14:imgLayer>
+                </a14:imgProps>
+              </a:ext>
+            </a:extLst>
+          </a:blip>
+          <a:stretch>
+            <a:fillRect/>
+          </a:stretch>
+        </p:blipFill>
+        <p:spPr>
+          <a:xfrm>
+            <a:off x="1279619" y="3806185"/>
+            <a:ext cx="9925103" cy="2310606"/>
+          </a:xfrm>
+          <a:prstGeom prst="rect">
+            <a:avLst/>
+          </a:prstGeom>
+        </p:spPr>
+      </p:pic>
     </p:spTree>
     <p:extLst>
       <p:ext uri="{BB962C8B-B14F-4D97-AF65-F5344CB8AC3E}">
-        <p14:creationId xmlns:p14="http://schemas.microsoft.com/office/powerpoint/2010/main" val="1378682376"/>
+        <p14:creationId xmlns:p14="http://schemas.microsoft.com/office/powerpoint/2010/main" val="2493646185"/>
       </p:ext>
     </p:extLst>
   </p:cSld>
@@ -10545,7 +10178,83 @@
   <p:timing>
     <p:tnLst>
       <p:par>
-        <p:cTn id="1" dur="indefinite" restart="never" nodeType="tmRoot"/>
+        <p:cTn id="1" dur="indefinite" restart="never" nodeType="tmRoot">
+          <p:childTnLst>
+            <p:seq concurrent="1" nextAc="seek">
+              <p:cTn id="2" dur="indefinite" nodeType="mainSeq">
+                <p:childTnLst>
+                  <p:par>
+                    <p:cTn id="3" fill="hold">
+                      <p:stCondLst>
+                        <p:cond delay="indefinite"/>
+                      </p:stCondLst>
+                      <p:childTnLst>
+                        <p:par>
+                          <p:cTn id="4" fill="hold">
+                            <p:stCondLst>
+                              <p:cond delay="0"/>
+                            </p:stCondLst>
+                            <p:childTnLst>
+                              <p:par>
+                                <p:cTn id="5" presetID="10" presetClass="entr" presetSubtype="0" fill="hold" nodeType="clickEffect">
+                                  <p:stCondLst>
+                                    <p:cond delay="0"/>
+                                  </p:stCondLst>
+                                  <p:childTnLst>
+                                    <p:set>
+                                      <p:cBhvr>
+                                        <p:cTn id="6" dur="1" fill="hold">
+                                          <p:stCondLst>
+                                            <p:cond delay="0"/>
+                                          </p:stCondLst>
+                                        </p:cTn>
+                                        <p:tgtEl>
+                                          <p:spTgt spid="4"/>
+                                        </p:tgtEl>
+                                        <p:attrNameLst>
+                                          <p:attrName>style.visibility</p:attrName>
+                                        </p:attrNameLst>
+                                      </p:cBhvr>
+                                      <p:to>
+                                        <p:strVal val="visible"/>
+                                      </p:to>
+                                    </p:set>
+                                    <p:animEffect transition="in" filter="fade">
+                                      <p:cBhvr>
+                                        <p:cTn id="7" dur="500"/>
+                                        <p:tgtEl>
+                                          <p:spTgt spid="4"/>
+                                        </p:tgtEl>
+                                      </p:cBhvr>
+                                    </p:animEffect>
+                                  </p:childTnLst>
+                                </p:cTn>
+                              </p:par>
+                            </p:childTnLst>
+                          </p:cTn>
+                        </p:par>
+                      </p:childTnLst>
+                    </p:cTn>
+                  </p:par>
+                </p:childTnLst>
+              </p:cTn>
+              <p:prevCondLst>
+                <p:cond evt="onPrev" delay="0">
+                  <p:tgtEl>
+                    <p:sldTgt/>
+                  </p:tgtEl>
+                </p:cond>
+              </p:prevCondLst>
+              <p:nextCondLst>
+                <p:cond evt="onNext" delay="0">
+                  <p:tgtEl>
+                    <p:sldTgt/>
+                  </p:tgtEl>
+                </p:cond>
+              </p:nextCondLst>
+            </p:seq>
+          </p:childTnLst>
+        </p:cTn>
       </p:par>
     </p:tnLst>
   </p:timing>
@@ -10588,7 +10297,7 @@
           <a:p>
             <a:r>
               <a:rPr lang="en-US" dirty="0" smtClean="0"/>
-              <a:t>D. Work sampling</a:t>
+              <a:t>C. Predetermined time standard systems (e.g., MOST)</a:t>
             </a:r>
             <a:endParaRPr lang="en-US" dirty="0"/>
           </a:p>
@@ -10609,14 +10318,61 @@
           <a:bodyPr/>
           <a:lstStyle/>
           <a:p>
-            <a:endParaRPr lang="en-US"/>
+            <a:r>
+              <a:rPr lang="en-US" b="1" dirty="0"/>
+              <a:t>MOST</a:t>
+            </a:r>
+            <a:r>
+              <a:rPr lang="en-US" dirty="0"/>
+              <a:t> stands for </a:t>
+            </a:r>
+            <a:r>
+              <a:rPr lang="en-US" u="sng" dirty="0"/>
+              <a:t>M</a:t>
+            </a:r>
+            <a:r>
+              <a:rPr lang="en-US" dirty="0"/>
+              <a:t>aynard </a:t>
+            </a:r>
+            <a:r>
+              <a:rPr lang="en-US" u="sng" dirty="0"/>
+              <a:t>o</a:t>
+            </a:r>
+            <a:r>
+              <a:rPr lang="en-US" dirty="0"/>
+              <a:t>peration </a:t>
+            </a:r>
+            <a:r>
+              <a:rPr lang="en-US" u="sng" dirty="0"/>
+              <a:t>S</a:t>
+            </a:r>
+            <a:r>
+              <a:rPr lang="en-US" dirty="0"/>
+              <a:t>equence </a:t>
+            </a:r>
+            <a:r>
+              <a:rPr lang="en-US" u="sng" dirty="0"/>
+              <a:t>t</a:t>
+            </a:r>
+            <a:r>
+              <a:rPr lang="en-US" dirty="0"/>
+              <a:t>echnique. It is one of the important work measurement technique used for </a:t>
+            </a:r>
+            <a:r>
+              <a:rPr lang="en-US" dirty="0" smtClean="0"/>
+              <a:t>decisions making.</a:t>
+            </a:r>
+            <a:r>
+              <a:rPr lang="en-US" dirty="0"/>
+              <a:t> </a:t>
+            </a:r>
           </a:p>
         </p:txBody>
       </p:sp>
     </p:spTree>
     <p:extLst>
       <p:ext uri="{BB962C8B-B14F-4D97-AF65-F5344CB8AC3E}">
-        <p14:creationId xmlns:p14="http://schemas.microsoft.com/office/powerpoint/2010/main" val="206304921"/>
+        <p14:creationId xmlns:p14="http://schemas.microsoft.com/office/powerpoint/2010/main" val="1378682376"/>
       </p:ext>
     </p:extLst>
   </p:cSld>
@@ -10669,9 +10425,1484 @@
           <a:p>
             <a:r>
               <a:rPr lang="en-US" dirty="0" smtClean="0"/>
-              <a:t>E. Learning curves </a:t>
+              <a:t>C. Predetermined time standard systems (e.g. </a:t>
+            </a:r>
+            <a:r>
+              <a:rPr lang="en-US" dirty="0"/>
+              <a:t>MTM - Method time </a:t>
+            </a:r>
+            <a:r>
+              <a:rPr lang="en-US" dirty="0" smtClean="0"/>
+              <a:t>measurement)</a:t>
             </a:r>
             <a:endParaRPr lang="en-US" dirty="0"/>
+          </a:p>
+        </p:txBody>
+      </p:sp>
+      <p:sp>
+        <p:nvSpPr>
+          <p:cNvPr id="3" name="Content Placeholder 2"/>
+          <p:cNvSpPr>
+            <a:spLocks noGrp="1"/>
+          </p:cNvSpPr>
+          <p:nvPr>
+            <p:ph idx="1"/>
+          </p:nvPr>
+        </p:nvSpPr>
+        <p:spPr>
+          <a:xfrm>
+            <a:off x="851848" y="1825625"/>
+            <a:ext cx="10515600" cy="4351338"/>
+          </a:xfrm>
+        </p:spPr>
+        <p:txBody>
+          <a:bodyPr>
+            <a:normAutofit/>
+          </a:bodyPr>
+          <a:lstStyle/>
+          <a:p>
+            <a:r>
+              <a:rPr lang="en-US" dirty="0" smtClean="0"/>
+              <a:t>the </a:t>
+            </a:r>
+            <a:r>
+              <a:rPr lang="en-US" dirty="0"/>
+              <a:t>analyst must divide the job into its basic elements (reach, move, turn, disengage</a:t>
+            </a:r>
+            <a:r>
+              <a:rPr lang="en-US" dirty="0" smtClean="0"/>
+              <a:t>), measure </a:t>
+            </a:r>
+            <a:r>
+              <a:rPr lang="en-US" dirty="0"/>
+              <a:t>the distances involved (if applicable), rate the difficulty of the element, and </a:t>
+            </a:r>
+            <a:r>
+              <a:rPr lang="en-US" dirty="0" smtClean="0"/>
+              <a:t>then refer </a:t>
+            </a:r>
+            <a:r>
+              <a:rPr lang="en-US" dirty="0"/>
+              <a:t>to the appropriate table of data to obtain the time for that element. </a:t>
+            </a:r>
+            <a:endParaRPr lang="en-US" dirty="0" smtClean="0"/>
+          </a:p>
+          <a:p>
+            <a:r>
+              <a:rPr lang="en-US" dirty="0" smtClean="0"/>
+              <a:t>The </a:t>
+            </a:r>
+            <a:r>
+              <a:rPr lang="en-US" dirty="0"/>
+              <a:t>standard </a:t>
+            </a:r>
+            <a:r>
+              <a:rPr lang="en-US" dirty="0" smtClean="0"/>
+              <a:t>time for </a:t>
+            </a:r>
+            <a:r>
+              <a:rPr lang="en-US" dirty="0"/>
+              <a:t>the job is obtained by adding the times for all of the basic elements. Times of the basic elements are measured in time measurement units (TMUs); one TMU equals .</a:t>
+            </a:r>
+            <a:r>
+              <a:rPr lang="en-US" dirty="0" smtClean="0"/>
+              <a:t>0006 minute</a:t>
+            </a:r>
+            <a:r>
+              <a:rPr lang="en-US" dirty="0"/>
+              <a:t>. </a:t>
+            </a:r>
+            <a:br>
+              <a:rPr lang="en-US" dirty="0"/>
+            </a:br>
+            <a:endParaRPr lang="en-US" dirty="0"/>
+          </a:p>
+        </p:txBody>
+      </p:sp>
+    </p:spTree>
+    <p:extLst>
+      <p:ext uri="{BB962C8B-B14F-4D97-AF65-F5344CB8AC3E}">
+        <p14:creationId xmlns:p14="http://schemas.microsoft.com/office/powerpoint/2010/main" val="3096042625"/>
+      </p:ext>
+    </p:extLst>
+  </p:cSld>
+  <p:clrMapOvr>
+    <a:masterClrMapping/>
+  </p:clrMapOvr>
+  <p:timing>
+    <p:tnLst>
+      <p:par>
+        <p:cTn id="1" dur="indefinite" restart="never" nodeType="tmRoot"/>
+      </p:par>
+    </p:tnLst>
+  </p:timing>
+</p:sld>
+</file>
+
+<file path=ppt/slides/slide14.xml><?xml version="1.0" encoding="utf-8"?>
+<p:sld xmlns:a="http://schemas.openxmlformats.org/drawingml/2006/main" xmlns:r="http://schemas.openxmlformats.org/officeDocument/2006/relationships" xmlns:p="http://schemas.openxmlformats.org/presentationml/2006/main">
+  <p:cSld>
+    <p:spTree>
+      <p:nvGrpSpPr>
+        <p:cNvPr id="1" name=""/>
+        <p:cNvGrpSpPr/>
+        <p:nvPr/>
+      </p:nvGrpSpPr>
+      <p:grpSpPr>
+        <a:xfrm>
+          <a:off x="0" y="0"/>
+          <a:ext cx="0" cy="0"/>
+          <a:chOff x="0" y="0"/>
+          <a:chExt cx="0" cy="0"/>
+        </a:xfrm>
+      </p:grpSpPr>
+      <p:sp>
+        <p:nvSpPr>
+          <p:cNvPr id="2" name="Title 1"/>
+          <p:cNvSpPr>
+            <a:spLocks noGrp="1"/>
+          </p:cNvSpPr>
+          <p:nvPr>
+            <p:ph type="title"/>
+          </p:nvPr>
+        </p:nvSpPr>
+        <p:spPr/>
+        <p:txBody>
+          <a:bodyPr/>
+          <a:lstStyle/>
+          <a:p>
+            <a:endParaRPr lang="en-US" dirty="0"/>
+          </a:p>
+        </p:txBody>
+      </p:sp>
+      <mc:AlternateContent xmlns:mc="http://schemas.openxmlformats.org/markup-compatibility/2006">
+        <mc:Choice xmlns:a14="http://schemas.microsoft.com/office/drawing/2010/main" Requires="a14">
+          <p:sp>
+            <p:nvSpPr>
+              <p:cNvPr id="3" name="Content Placeholder 2"/>
+              <p:cNvSpPr>
+                <a:spLocks noGrp="1"/>
+              </p:cNvSpPr>
+              <p:nvPr>
+                <p:ph idx="1"/>
+              </p:nvPr>
+            </p:nvSpPr>
+            <p:spPr>
+              <a:xfrm>
+                <a:off x="838200" y="1825625"/>
+                <a:ext cx="9807054" cy="4351338"/>
+              </a:xfrm>
+            </p:spPr>
+            <p:txBody>
+              <a:bodyPr>
+                <a:normAutofit fontScale="92500" lnSpcReduction="10000"/>
+              </a:bodyPr>
+              <a:lstStyle/>
+              <a:p>
+                <a:r>
+                  <a:rPr lang="en-US" b="1" dirty="0" smtClean="0"/>
+                  <a:t>Standard Time Determination</a:t>
+                </a:r>
+                <a:br>
+                  <a:rPr lang="en-US" b="1" dirty="0" smtClean="0"/>
+                </a:br>
+                <a:r>
+                  <a:rPr lang="en-US" i="1" dirty="0"/>
+                  <a:t>ST </a:t>
+                </a:r>
+                <a:r>
+                  <a:rPr lang="en-US" dirty="0"/>
+                  <a:t>= </a:t>
+                </a:r>
+                <a:r>
+                  <a:rPr lang="en-US" i="1" dirty="0"/>
+                  <a:t>NT </a:t>
+                </a:r>
+                <a:r>
+                  <a:rPr lang="en-US" dirty="0"/>
+                  <a:t>× </a:t>
+                </a:r>
+                <a:r>
+                  <a:rPr lang="en-US" i="1" dirty="0"/>
+                  <a:t>AF</a:t>
+                </a:r>
+                <a:br>
+                  <a:rPr lang="en-US" i="1" dirty="0"/>
+                </a:br>
+                <a:r>
+                  <a:rPr lang="en-US" dirty="0" smtClean="0"/>
+                  <a:t>where </a:t>
+                </a:r>
+                <a:r>
+                  <a:rPr lang="en-US" i="1" dirty="0" smtClean="0"/>
+                  <a:t>NT </a:t>
+                </a:r>
+                <a:r>
+                  <a:rPr lang="en-US" dirty="0"/>
+                  <a:t>= normal </a:t>
+                </a:r>
+                <a:r>
+                  <a:rPr lang="en-US" dirty="0" smtClean="0"/>
+                  <a:t>time, </a:t>
+                </a:r>
+                <a:r>
+                  <a:rPr lang="en-US" i="1" dirty="0" smtClean="0"/>
+                  <a:t>AF </a:t>
+                </a:r>
+                <a:r>
+                  <a:rPr lang="en-US" dirty="0"/>
+                  <a:t>= allowance factor</a:t>
+                </a:r>
+                <a:br>
+                  <a:rPr lang="en-US" dirty="0"/>
+                </a:br>
+                <a:endParaRPr lang="en-US" dirty="0" smtClean="0"/>
+              </a:p>
+              <a:p>
+                <a:r>
+                  <a:rPr lang="en-US" b="1" i="1" dirty="0" smtClean="0"/>
+                  <a:t>Case </a:t>
+                </a:r>
+                <a:r>
+                  <a:rPr lang="en-US" b="1" i="1" dirty="0"/>
+                  <a:t>1: </a:t>
+                </a:r>
+                <a:r>
+                  <a:rPr lang="en-US" dirty="0" smtClean="0"/>
+                  <a:t>Allowances </a:t>
+                </a:r>
+                <a:r>
+                  <a:rPr lang="en-US" dirty="0"/>
+                  <a:t>are based on the </a:t>
+                </a:r>
+                <a:r>
+                  <a:rPr lang="en-US" i="1" dirty="0"/>
+                  <a:t>job time</a:t>
+                </a:r>
+                <a:r>
+                  <a:rPr lang="en-US" dirty="0"/>
+                  <a:t>.</a:t>
+                </a:r>
+                <a:br>
+                  <a:rPr lang="en-US" dirty="0"/>
+                </a:br>
+                <a14:m>
+                  <m:oMath xmlns:m="http://schemas.openxmlformats.org/officeDocument/2006/math">
+                    <m:r>
+                      <a:rPr lang="en-US" i="1" dirty="0" smtClean="0">
+                        <a:latin typeface="Cambria Math" panose="02040503050406030204" pitchFamily="18" charset="0"/>
+                      </a:rPr>
+                      <m:t>𝐴</m:t>
+                    </m:r>
+                    <m:sSub>
+                      <m:sSubPr>
+                        <m:ctrlPr>
+                          <a:rPr lang="en-US" i="1" dirty="0" smtClean="0">
+                            <a:latin typeface="Cambria Math" panose="02040503050406030204" pitchFamily="18" charset="0"/>
+                          </a:rPr>
+                        </m:ctrlPr>
+                      </m:sSubPr>
+                      <m:e>
+                        <m:r>
+                          <a:rPr lang="en-US" i="1" dirty="0" smtClean="0">
+                            <a:latin typeface="Cambria Math" panose="02040503050406030204" pitchFamily="18" charset="0"/>
+                          </a:rPr>
+                          <m:t>𝐹</m:t>
+                        </m:r>
+                      </m:e>
+                      <m:sub>
+                        <m:r>
+                          <a:rPr lang="en-US" i="1" dirty="0" smtClean="0">
+                            <a:latin typeface="Cambria Math" panose="02040503050406030204" pitchFamily="18" charset="0"/>
+                          </a:rPr>
+                          <m:t>𝑗𝑜𝑏</m:t>
+                        </m:r>
+                      </m:sub>
+                    </m:sSub>
+                    <m:r>
+                      <a:rPr lang="en-US" i="1" dirty="0" smtClean="0">
+                        <a:latin typeface="Cambria Math" panose="02040503050406030204" pitchFamily="18" charset="0"/>
+                      </a:rPr>
+                      <m:t> </m:t>
+                    </m:r>
+                    <m:r>
+                      <a:rPr lang="en-US" i="1" dirty="0">
+                        <a:latin typeface="Cambria Math" panose="02040503050406030204" pitchFamily="18" charset="0"/>
+                      </a:rPr>
+                      <m:t>= 1 + </m:t>
+                    </m:r>
+                    <m:sSub>
+                      <m:sSubPr>
+                        <m:ctrlPr>
+                          <a:rPr lang="en-US" i="1" dirty="0" err="1" smtClean="0">
+                            <a:latin typeface="Cambria Math" panose="02040503050406030204" pitchFamily="18" charset="0"/>
+                          </a:rPr>
+                        </m:ctrlPr>
+                      </m:sSubPr>
+                      <m:e>
+                        <m:r>
+                          <a:rPr lang="en-US" i="1" dirty="0" err="1" smtClean="0">
+                            <a:latin typeface="Cambria Math" panose="02040503050406030204" pitchFamily="18" charset="0"/>
+                          </a:rPr>
+                          <m:t>𝐴</m:t>
+                        </m:r>
+                      </m:e>
+                      <m:sub>
+                        <m:r>
+                          <a:rPr lang="en-US" i="1" dirty="0" err="1" smtClean="0">
+                            <a:latin typeface="Cambria Math" panose="02040503050406030204" pitchFamily="18" charset="0"/>
+                          </a:rPr>
+                          <m:t>𝑗𝑜𝑏</m:t>
+                        </m:r>
+                      </m:sub>
+                    </m:sSub>
+                  </m:oMath>
+                </a14:m>
+                <a:r>
+                  <a:rPr lang="en-US" dirty="0"/>
+                  <a:t/>
+                </a:r>
+                <a:br>
+                  <a:rPr lang="en-US" dirty="0"/>
+                </a:br>
+                <a14:m>
+                  <m:oMath xmlns:m="http://schemas.openxmlformats.org/officeDocument/2006/math">
+                    <m:sSub>
+                      <m:sSubPr>
+                        <m:ctrlPr>
+                          <a:rPr lang="en-US" i="1" dirty="0" smtClean="0">
+                            <a:latin typeface="Cambria Math" panose="02040503050406030204" pitchFamily="18" charset="0"/>
+                          </a:rPr>
+                        </m:ctrlPr>
+                      </m:sSubPr>
+                      <m:e>
+                        <m:r>
+                          <a:rPr lang="en-US" i="1" dirty="0" smtClean="0">
+                            <a:latin typeface="Cambria Math" panose="02040503050406030204" pitchFamily="18" charset="0"/>
+                          </a:rPr>
+                          <m:t>𝐴</m:t>
+                        </m:r>
+                      </m:e>
+                      <m:sub>
+                        <m:r>
+                          <a:rPr lang="en-US" i="1" dirty="0" smtClean="0">
+                            <a:latin typeface="Cambria Math" panose="02040503050406030204" pitchFamily="18" charset="0"/>
+                          </a:rPr>
+                          <m:t>𝑗𝑜𝑏</m:t>
+                        </m:r>
+                      </m:sub>
+                    </m:sSub>
+                  </m:oMath>
+                </a14:m>
+                <a:r>
+                  <a:rPr lang="en-US" dirty="0" smtClean="0"/>
+                  <a:t> </a:t>
+                </a:r>
+                <a:r>
+                  <a:rPr lang="en-US" dirty="0"/>
+                  <a:t>= allowance fraction (percentage/100) based </a:t>
+                </a:r>
+                <a:r>
+                  <a:rPr lang="en-US" dirty="0" smtClean="0"/>
+                  <a:t>on </a:t>
+                </a:r>
+                <a:r>
+                  <a:rPr lang="en-US" i="1" dirty="0" smtClean="0"/>
+                  <a:t>job </a:t>
+                </a:r>
+                <a:r>
+                  <a:rPr lang="en-US" i="1" dirty="0"/>
+                  <a:t>time</a:t>
+                </a:r>
+                <a:r>
+                  <a:rPr lang="en-US" dirty="0"/>
+                  <a:t>.</a:t>
+                </a:r>
+                <a:br>
+                  <a:rPr lang="en-US" dirty="0"/>
+                </a:br>
+                <a:endParaRPr lang="en-US" dirty="0" smtClean="0"/>
+              </a:p>
+              <a:p>
+                <a:r>
+                  <a:rPr lang="en-US" b="1" i="1" dirty="0" smtClean="0"/>
+                  <a:t>Case </a:t>
+                </a:r>
+                <a:r>
+                  <a:rPr lang="en-US" b="1" i="1" dirty="0"/>
+                  <a:t>2: </a:t>
+                </a:r>
+                <a:r>
+                  <a:rPr lang="en-US" dirty="0" smtClean="0"/>
+                  <a:t>Allowances </a:t>
+                </a:r>
+                <a:r>
+                  <a:rPr lang="en-US" dirty="0"/>
+                  <a:t>are based on </a:t>
+                </a:r>
+                <a:r>
+                  <a:rPr lang="en-US" i="1" dirty="0"/>
+                  <a:t>workday</a:t>
+                </a:r>
+                <a:r>
+                  <a:rPr lang="en-US" dirty="0"/>
+                  <a:t>.</a:t>
+                </a:r>
+                <a:br>
+                  <a:rPr lang="en-US" dirty="0"/>
+                </a:br>
+                <a14:m>
+                  <m:oMath xmlns:m="http://schemas.openxmlformats.org/officeDocument/2006/math">
+                    <m:r>
+                      <a:rPr lang="en-US" i="1" dirty="0" smtClean="0">
+                        <a:latin typeface="Cambria Math" panose="02040503050406030204" pitchFamily="18" charset="0"/>
+                      </a:rPr>
+                      <m:t>𝐴</m:t>
+                    </m:r>
+                    <m:sSub>
+                      <m:sSubPr>
+                        <m:ctrlPr>
+                          <a:rPr lang="en-US" i="1" dirty="0" smtClean="0">
+                            <a:latin typeface="Cambria Math" panose="02040503050406030204" pitchFamily="18" charset="0"/>
+                          </a:rPr>
+                        </m:ctrlPr>
+                      </m:sSubPr>
+                      <m:e>
+                        <m:r>
+                          <a:rPr lang="en-US" i="1" dirty="0" smtClean="0">
+                            <a:latin typeface="Cambria Math" panose="02040503050406030204" pitchFamily="18" charset="0"/>
+                          </a:rPr>
+                          <m:t>𝐹</m:t>
+                        </m:r>
+                      </m:e>
+                      <m:sub>
+                        <m:r>
+                          <a:rPr lang="en-US" i="1" dirty="0" smtClean="0">
+                            <a:latin typeface="Cambria Math" panose="02040503050406030204" pitchFamily="18" charset="0"/>
+                          </a:rPr>
+                          <m:t>𝑡𝑖𝑚𝑒</m:t>
+                        </m:r>
+                      </m:sub>
+                    </m:sSub>
+                  </m:oMath>
+                </a14:m>
+                <a:r>
+                  <a:rPr lang="en-US" dirty="0" smtClean="0"/>
+                  <a:t> </a:t>
+                </a:r>
+                <a:r>
+                  <a:rPr lang="en-US" dirty="0"/>
+                  <a:t>= 1/(1 – </a:t>
+                </a:r>
+                <a:r>
+                  <a:rPr lang="en-US" i="1" dirty="0" err="1" smtClean="0"/>
+                  <a:t>A_</a:t>
+                </a:r>
+                <a:r>
+                  <a:rPr lang="en-US" dirty="0" err="1" smtClean="0"/>
+                  <a:t>day</a:t>
+                </a:r>
+                <a:r>
+                  <a:rPr lang="en-US" dirty="0"/>
+                  <a:t>)</a:t>
+                </a:r>
+                <a:br>
+                  <a:rPr lang="en-US" dirty="0"/>
+                </a:br>
+                <a14:m>
+                  <m:oMath xmlns:m="http://schemas.openxmlformats.org/officeDocument/2006/math">
+                    <m:sSub>
+                      <m:sSubPr>
+                        <m:ctrlPr>
+                          <a:rPr lang="en-US" i="1" dirty="0" smtClean="0">
+                            <a:latin typeface="Cambria Math" panose="02040503050406030204" pitchFamily="18" charset="0"/>
+                          </a:rPr>
+                        </m:ctrlPr>
+                      </m:sSubPr>
+                      <m:e>
+                        <m:r>
+                          <a:rPr lang="en-US" i="1" dirty="0" smtClean="0">
+                            <a:latin typeface="Cambria Math" panose="02040503050406030204" pitchFamily="18" charset="0"/>
+                          </a:rPr>
+                          <m:t>𝐴</m:t>
+                        </m:r>
+                      </m:e>
+                      <m:sub>
+                        <m:r>
+                          <a:rPr lang="en-US" i="1" dirty="0" smtClean="0">
+                            <a:latin typeface="Cambria Math" panose="02040503050406030204" pitchFamily="18" charset="0"/>
+                          </a:rPr>
+                          <m:t>𝑑𝑎𝑦</m:t>
+                        </m:r>
+                      </m:sub>
+                    </m:sSub>
+                  </m:oMath>
+                </a14:m>
+                <a:r>
+                  <a:rPr lang="en-US" dirty="0" smtClean="0"/>
+                  <a:t> </a:t>
+                </a:r>
+                <a:r>
+                  <a:rPr lang="en-US" dirty="0"/>
+                  <a:t>= allowance fraction (percentage/100) based on</a:t>
+                </a:r>
+                <a:br>
+                  <a:rPr lang="en-US" dirty="0"/>
+                </a:br>
+                <a:r>
+                  <a:rPr lang="en-US" i="1" dirty="0" smtClean="0"/>
+                  <a:t>workday</a:t>
+                </a:r>
+                <a:endParaRPr lang="en-US" dirty="0"/>
+              </a:p>
+            </p:txBody>
+          </p:sp>
+        </mc:Choice>
+        <mc:Fallback>
+          <p:sp>
+            <p:nvSpPr>
+              <p:cNvPr id="3" name="Content Placeholder 2"/>
+              <p:cNvSpPr>
+                <a:spLocks noGrp="1" noRot="1" noChangeAspect="1" noMove="1" noResize="1" noEditPoints="1" noAdjustHandles="1" noChangeArrowheads="1" noChangeShapeType="1" noTextEdit="1"/>
+              </p:cNvSpPr>
+              <p:nvPr>
+                <p:ph idx="1"/>
+              </p:nvPr>
+            </p:nvSpPr>
+            <p:spPr>
+              <a:xfrm>
+                <a:off x="838200" y="1825625"/>
+                <a:ext cx="9807054" cy="4351338"/>
+              </a:xfrm>
+              <a:blipFill rotWithShape="0">
+                <a:blip r:embed="rId2"/>
+                <a:stretch>
+                  <a:fillRect l="-995" t="-2941" b="-840"/>
+                </a:stretch>
+              </a:blipFill>
+            </p:spPr>
+            <p:txBody>
+              <a:bodyPr/>
+              <a:lstStyle/>
+              <a:p>
+                <a:r>
+                  <a:rPr lang="en-US">
+                    <a:noFill/>
+                  </a:rPr>
+                  <a:t> </a:t>
+                </a:r>
+              </a:p>
+            </p:txBody>
+          </p:sp>
+        </mc:Fallback>
+      </mc:AlternateContent>
+    </p:spTree>
+    <p:extLst>
+      <p:ext uri="{BB962C8B-B14F-4D97-AF65-F5344CB8AC3E}">
+        <p14:creationId xmlns:p14="http://schemas.microsoft.com/office/powerpoint/2010/main" val="3487799400"/>
+      </p:ext>
+    </p:extLst>
+  </p:cSld>
+  <p:clrMapOvr>
+    <a:masterClrMapping/>
+  </p:clrMapOvr>
+</p:sld>
+</file>
+
+<file path=ppt/slides/slide15.xml><?xml version="1.0" encoding="utf-8"?>
+<p:sld xmlns:a="http://schemas.openxmlformats.org/drawingml/2006/main" xmlns:r="http://schemas.openxmlformats.org/officeDocument/2006/relationships" xmlns:p="http://schemas.openxmlformats.org/presentationml/2006/main">
+  <p:cSld>
+    <p:spTree>
+      <p:nvGrpSpPr>
+        <p:cNvPr id="1" name=""/>
+        <p:cNvGrpSpPr/>
+        <p:nvPr/>
+      </p:nvGrpSpPr>
+      <p:grpSpPr>
+        <a:xfrm>
+          <a:off x="0" y="0"/>
+          <a:ext cx="0" cy="0"/>
+          <a:chOff x="0" y="0"/>
+          <a:chExt cx="0" cy="0"/>
+        </a:xfrm>
+      </p:grpSpPr>
+      <p:sp>
+        <p:nvSpPr>
+          <p:cNvPr id="2" name="Title 1"/>
+          <p:cNvSpPr>
+            <a:spLocks noGrp="1"/>
+          </p:cNvSpPr>
+          <p:nvPr>
+            <p:ph type="title"/>
+          </p:nvPr>
+        </p:nvSpPr>
+        <p:spPr/>
+        <p:txBody>
+          <a:bodyPr/>
+          <a:lstStyle/>
+          <a:p>
+            <a:endParaRPr lang="en-US"/>
+          </a:p>
+        </p:txBody>
+      </p:sp>
+      <p:sp>
+        <p:nvSpPr>
+          <p:cNvPr id="3" name="Content Placeholder 2"/>
+          <p:cNvSpPr>
+            <a:spLocks noGrp="1"/>
+          </p:cNvSpPr>
+          <p:nvPr>
+            <p:ph idx="1"/>
+          </p:nvPr>
+        </p:nvSpPr>
+        <p:spPr>
+          <a:xfrm>
+            <a:off x="838200" y="1825625"/>
+            <a:ext cx="10515600" cy="4351338"/>
+          </a:xfrm>
+        </p:spPr>
+        <p:txBody>
+          <a:bodyPr>
+            <a:normAutofit fontScale="85000" lnSpcReduction="20000"/>
+          </a:bodyPr>
+          <a:lstStyle/>
+          <a:p>
+            <a:pPr marL="514350" indent="-514350">
+              <a:buFont typeface="+mj-lt"/>
+              <a:buAutoNum type="arabicPeriod"/>
+            </a:pPr>
+            <a:r>
+              <a:rPr lang="en-US" dirty="0" smtClean="0"/>
+              <a:t>Predetermined </a:t>
+            </a:r>
+            <a:r>
+              <a:rPr lang="en-US" dirty="0"/>
+              <a:t>time systems are useful in cases </a:t>
+            </a:r>
+            <a:r>
+              <a:rPr lang="en-US" dirty="0" smtClean="0"/>
+              <a:t>where either </a:t>
+            </a:r>
+            <a:r>
+              <a:rPr lang="en-US" dirty="0"/>
+              <a:t>(1) the task does not yet exist or (2) changes to a </a:t>
+            </a:r>
+            <a:r>
+              <a:rPr lang="en-US" dirty="0" smtClean="0"/>
+              <a:t>task are </a:t>
+            </a:r>
+            <a:r>
+              <a:rPr lang="en-US" dirty="0"/>
+              <a:t>being designed and normal times have not yet </a:t>
+            </a:r>
+            <a:r>
+              <a:rPr lang="en-US" dirty="0" smtClean="0"/>
+              <a:t>been established </a:t>
+            </a:r>
+            <a:r>
+              <a:rPr lang="en-US" dirty="0"/>
+              <a:t>for all elements of the new task or </a:t>
+            </a:r>
+            <a:r>
+              <a:rPr lang="en-US" dirty="0" smtClean="0"/>
+              <a:t>changed task</a:t>
+            </a:r>
+            <a:r>
+              <a:rPr lang="en-US" dirty="0"/>
+              <a:t>. In such cases no opportunity exists to measure </a:t>
+            </a:r>
+            <a:r>
+              <a:rPr lang="en-US" dirty="0" smtClean="0"/>
+              <a:t>the element </a:t>
+            </a:r>
+            <a:r>
+              <a:rPr lang="en-US" dirty="0"/>
+              <a:t>time. </a:t>
+            </a:r>
+            <a:endParaRPr lang="en-US" dirty="0" smtClean="0"/>
+          </a:p>
+          <a:p>
+            <a:pPr marL="514350" indent="-514350">
+              <a:buFont typeface="+mj-lt"/>
+              <a:buAutoNum type="arabicPeriod"/>
+            </a:pPr>
+            <a:r>
+              <a:rPr lang="en-US" dirty="0" smtClean="0"/>
+              <a:t>Unfortunately</a:t>
+            </a:r>
+            <a:r>
+              <a:rPr lang="en-US" dirty="0"/>
+              <a:t>, there is no </a:t>
+            </a:r>
+            <a:r>
+              <a:rPr lang="en-US" dirty="0" smtClean="0"/>
+              <a:t>scientific basis for </a:t>
+            </a:r>
+            <a:r>
+              <a:rPr lang="en-US" dirty="0"/>
+              <a:t>predicting element times without breaking them </a:t>
+            </a:r>
+            <a:r>
+              <a:rPr lang="en-US" dirty="0" smtClean="0"/>
+              <a:t>down into </a:t>
+            </a:r>
+            <a:r>
+              <a:rPr lang="en-US" dirty="0"/>
+              <a:t>motion-level parts. A task consists of elements. </a:t>
+            </a:r>
+            <a:r>
+              <a:rPr lang="en-US" dirty="0" smtClean="0"/>
+              <a:t>An organization </a:t>
+            </a:r>
+            <a:r>
+              <a:rPr lang="en-US" dirty="0"/>
+              <a:t>may develop its own database of </a:t>
+            </a:r>
+            <a:r>
+              <a:rPr lang="en-US" dirty="0" smtClean="0"/>
+              <a:t>normal element </a:t>
+            </a:r>
+            <a:r>
+              <a:rPr lang="en-US" dirty="0"/>
+              <a:t>durations, and normal times for new or </a:t>
+            </a:r>
+            <a:r>
+              <a:rPr lang="en-US" dirty="0" smtClean="0"/>
+              <a:t>changed tasks </a:t>
+            </a:r>
+            <a:r>
+              <a:rPr lang="en-US" dirty="0"/>
+              <a:t>may be predicted if the tasks consist entirely </a:t>
+            </a:r>
+            <a:r>
+              <a:rPr lang="en-US" dirty="0" smtClean="0"/>
+              <a:t>of elements </a:t>
+            </a:r>
+            <a:r>
+              <a:rPr lang="en-US" dirty="0"/>
+              <a:t>whose normal times are already in the </a:t>
+            </a:r>
+            <a:r>
+              <a:rPr lang="en-US" dirty="0" smtClean="0"/>
+              <a:t>database.</a:t>
+            </a:r>
+          </a:p>
+          <a:p>
+            <a:pPr marL="514350" indent="-514350">
+              <a:buFont typeface="+mj-lt"/>
+              <a:buAutoNum type="arabicPeriod"/>
+            </a:pPr>
+            <a:r>
+              <a:rPr lang="en-US" dirty="0" smtClean="0"/>
+              <a:t>But </a:t>
+            </a:r>
+            <a:r>
+              <a:rPr lang="en-US" dirty="0"/>
+              <a:t>new elements can be decomposed into motions, </a:t>
+            </a:r>
+            <a:r>
+              <a:rPr lang="en-US" dirty="0" smtClean="0"/>
+              <a:t>for which </a:t>
+            </a:r>
+            <a:r>
+              <a:rPr lang="en-US" dirty="0" err="1"/>
+              <a:t>scientifcally</a:t>
+            </a:r>
+            <a:r>
+              <a:rPr lang="en-US" dirty="0"/>
+              <a:t> predetermined times exist in </a:t>
+            </a:r>
+            <a:r>
+              <a:rPr lang="en-US" dirty="0" smtClean="0"/>
+              <a:t>databases called </a:t>
+            </a:r>
+            <a:r>
+              <a:rPr lang="en-US" dirty="0"/>
+              <a:t>MTM-1, MTM-2, and MTM-3. These databases </a:t>
+            </a:r>
+            <a:r>
+              <a:rPr lang="en-US" dirty="0" smtClean="0"/>
+              <a:t>and software </a:t>
+            </a:r>
+            <a:r>
+              <a:rPr lang="en-US" dirty="0"/>
+              <a:t>to manipulate them are commercially available</a:t>
+            </a:r>
+            <a:r>
+              <a:rPr lang="en-US" dirty="0" smtClean="0"/>
+              <a:t>. To </a:t>
+            </a:r>
+            <a:r>
+              <a:rPr lang="en-US" dirty="0"/>
+              <a:t>use one of them effectively requires about 50 hours </a:t>
+            </a:r>
+            <a:r>
+              <a:rPr lang="en-US" dirty="0" smtClean="0"/>
+              <a:t>of training </a:t>
+            </a:r>
+            <a:r>
+              <a:rPr lang="en-US" dirty="0"/>
+              <a:t/>
+            </a:r>
+            <a:br>
+              <a:rPr lang="en-US" dirty="0"/>
+            </a:br>
+            <a:endParaRPr lang="en-US" dirty="0"/>
+          </a:p>
+        </p:txBody>
+      </p:sp>
+    </p:spTree>
+    <p:extLst>
+      <p:ext uri="{BB962C8B-B14F-4D97-AF65-F5344CB8AC3E}">
+        <p14:creationId xmlns:p14="http://schemas.microsoft.com/office/powerpoint/2010/main" val="2633798731"/>
+      </p:ext>
+    </p:extLst>
+  </p:cSld>
+  <p:clrMapOvr>
+    <a:masterClrMapping/>
+  </p:clrMapOvr>
+</p:sld>
+</file>
+
+<file path=ppt/slides/slide16.xml><?xml version="1.0" encoding="utf-8"?>
+<p:sld xmlns:a="http://schemas.openxmlformats.org/drawingml/2006/main" xmlns:r="http://schemas.openxmlformats.org/officeDocument/2006/relationships" xmlns:p="http://schemas.openxmlformats.org/presentationml/2006/main">
+  <p:cSld>
+    <p:spTree>
+      <p:nvGrpSpPr>
+        <p:cNvPr id="1" name=""/>
+        <p:cNvGrpSpPr/>
+        <p:nvPr/>
+      </p:nvGrpSpPr>
+      <p:grpSpPr>
+        <a:xfrm>
+          <a:off x="0" y="0"/>
+          <a:ext cx="0" cy="0"/>
+          <a:chOff x="0" y="0"/>
+          <a:chExt cx="0" cy="0"/>
+        </a:xfrm>
+      </p:grpSpPr>
+      <p:sp>
+        <p:nvSpPr>
+          <p:cNvPr id="2" name="Title 1"/>
+          <p:cNvSpPr>
+            <a:spLocks noGrp="1"/>
+          </p:cNvSpPr>
+          <p:nvPr>
+            <p:ph type="title"/>
+          </p:nvPr>
+        </p:nvSpPr>
+        <p:spPr/>
+        <p:txBody>
+          <a:bodyPr>
+            <a:normAutofit/>
+          </a:bodyPr>
+          <a:lstStyle/>
+          <a:p>
+            <a:r>
+              <a:rPr lang="en-US" dirty="0" smtClean="0"/>
+              <a:t>D. Work sampling</a:t>
+            </a:r>
+            <a:endParaRPr lang="en-US" dirty="0"/>
+          </a:p>
+        </p:txBody>
+      </p:sp>
+      <mc:AlternateContent xmlns:mc="http://schemas.openxmlformats.org/markup-compatibility/2006" xmlns:a14="http://schemas.microsoft.com/office/drawing/2010/main">
+        <mc:Choice Requires="a14">
+          <p:sp>
+            <p:nvSpPr>
+              <p:cNvPr id="3" name="Content Placeholder 2"/>
+              <p:cNvSpPr>
+                <a:spLocks noGrp="1"/>
+              </p:cNvSpPr>
+              <p:nvPr>
+                <p:ph idx="1"/>
+              </p:nvPr>
+            </p:nvSpPr>
+            <p:spPr>
+              <a:xfrm>
+                <a:off x="838200" y="1429840"/>
+                <a:ext cx="10515600" cy="1736441"/>
+              </a:xfrm>
+            </p:spPr>
+            <p:txBody>
+              <a:bodyPr/>
+              <a:lstStyle/>
+              <a:p>
+                <a:pPr marL="0" indent="0">
+                  <a:buNone/>
+                </a:pPr>
+                <a:r>
+                  <a:rPr lang="en-US" dirty="0" smtClean="0"/>
+                  <a:t>The</a:t>
+                </a:r>
+                <a:r>
+                  <a:rPr lang="en-US" b="1" dirty="0" smtClean="0"/>
+                  <a:t> </a:t>
+                </a:r>
+                <a:r>
+                  <a:rPr lang="en-US" dirty="0" smtClean="0"/>
+                  <a:t>technique for estimating </a:t>
+                </a:r>
+                <a:r>
+                  <a:rPr lang="en-US" dirty="0"/>
+                  <a:t>the proportion </a:t>
+                </a:r>
+                <a:r>
+                  <a:rPr lang="en-US" dirty="0" smtClean="0"/>
+                  <a:t>of time </a:t>
+                </a:r>
+                <a:r>
+                  <a:rPr lang="en-US" dirty="0"/>
+                  <a:t>that a worker or </a:t>
+                </a:r>
+                <a:r>
+                  <a:rPr lang="en-US" dirty="0" smtClean="0"/>
+                  <a:t>machine spends </a:t>
+                </a:r>
+                <a:r>
+                  <a:rPr lang="en-US" dirty="0"/>
+                  <a:t>on various </a:t>
+                </a:r>
+                <a:r>
+                  <a:rPr lang="en-US" dirty="0" smtClean="0"/>
+                  <a:t>activities and </a:t>
+                </a:r>
+                <a:r>
+                  <a:rPr lang="en-US" dirty="0"/>
+                  <a:t>the idle time </a:t>
+                </a:r>
+                <a:endParaRPr lang="en-US" dirty="0" smtClean="0"/>
+              </a:p>
+              <a:p>
+                <a:pPr marL="0" indent="0">
+                  <a:buNone/>
+                </a:pPr>
+                <a14:m>
+                  <m:oMath xmlns:m="http://schemas.openxmlformats.org/officeDocument/2006/math">
+                    <m:r>
+                      <a:rPr lang="en-US" b="0" i="1" smtClean="0">
+                        <a:latin typeface="Cambria Math" panose="02040503050406030204" pitchFamily="18" charset="0"/>
+                      </a:rPr>
+                      <m:t>𝑛</m:t>
+                    </m:r>
+                    <m:r>
+                      <a:rPr lang="en-US" b="0" i="1" smtClean="0">
+                        <a:latin typeface="Cambria Math" panose="02040503050406030204" pitchFamily="18" charset="0"/>
+                      </a:rPr>
+                      <m:t>=</m:t>
+                    </m:r>
+                    <m:sSup>
+                      <m:sSupPr>
+                        <m:ctrlPr>
+                          <a:rPr lang="en-US" b="0" i="1" smtClean="0">
+                            <a:latin typeface="Cambria Math" panose="02040503050406030204" pitchFamily="18" charset="0"/>
+                          </a:rPr>
+                        </m:ctrlPr>
+                      </m:sSupPr>
+                      <m:e>
+                        <m:d>
+                          <m:dPr>
+                            <m:ctrlPr>
+                              <a:rPr lang="en-US" b="0" i="1" smtClean="0">
+                                <a:latin typeface="Cambria Math" panose="02040503050406030204" pitchFamily="18" charset="0"/>
+                              </a:rPr>
+                            </m:ctrlPr>
+                          </m:dPr>
+                          <m:e>
+                            <m:f>
+                              <m:fPr>
+                                <m:ctrlPr>
+                                  <a:rPr lang="en-US" b="0" i="1" smtClean="0">
+                                    <a:latin typeface="Cambria Math" panose="02040503050406030204" pitchFamily="18" charset="0"/>
+                                  </a:rPr>
+                                </m:ctrlPr>
+                              </m:fPr>
+                              <m:num>
+                                <m:r>
+                                  <a:rPr lang="en-US" b="0" i="1" smtClean="0">
+                                    <a:latin typeface="Cambria Math" panose="02040503050406030204" pitchFamily="18" charset="0"/>
+                                  </a:rPr>
+                                  <m:t>𝑧</m:t>
+                                </m:r>
+                              </m:num>
+                              <m:den>
+                                <m:r>
+                                  <a:rPr lang="en-US" b="0" i="1" smtClean="0">
+                                    <a:latin typeface="Cambria Math" panose="02040503050406030204" pitchFamily="18" charset="0"/>
+                                  </a:rPr>
+                                  <m:t>𝑒</m:t>
+                                </m:r>
+                              </m:den>
+                            </m:f>
+                          </m:e>
+                        </m:d>
+                      </m:e>
+                      <m:sup>
+                        <m:r>
+                          <a:rPr lang="en-US" b="0" i="1" smtClean="0">
+                            <a:latin typeface="Cambria Math" panose="02040503050406030204" pitchFamily="18" charset="0"/>
+                          </a:rPr>
+                          <m:t>2</m:t>
+                        </m:r>
+                      </m:sup>
+                    </m:sSup>
+                    <m:acc>
+                      <m:accPr>
+                        <m:chr m:val="̂"/>
+                        <m:ctrlPr>
+                          <a:rPr lang="en-US" b="0" i="1" smtClean="0">
+                            <a:latin typeface="Cambria Math" panose="02040503050406030204" pitchFamily="18" charset="0"/>
+                          </a:rPr>
+                        </m:ctrlPr>
+                      </m:accPr>
+                      <m:e>
+                        <m:r>
+                          <a:rPr lang="en-US" b="0" i="1" smtClean="0">
+                            <a:latin typeface="Cambria Math" panose="02040503050406030204" pitchFamily="18" charset="0"/>
+                          </a:rPr>
+                          <m:t>𝑝</m:t>
+                        </m:r>
+                      </m:e>
+                    </m:acc>
+                    <m:r>
+                      <a:rPr lang="en-US" b="0" i="1" smtClean="0">
+                        <a:latin typeface="Cambria Math" panose="02040503050406030204" pitchFamily="18" charset="0"/>
+                      </a:rPr>
+                      <m:t>(1−</m:t>
+                    </m:r>
+                    <m:acc>
+                      <m:accPr>
+                        <m:chr m:val="̂"/>
+                        <m:ctrlPr>
+                          <a:rPr lang="en-US" i="1">
+                            <a:latin typeface="Cambria Math" panose="02040503050406030204" pitchFamily="18" charset="0"/>
+                          </a:rPr>
+                        </m:ctrlPr>
+                      </m:accPr>
+                      <m:e>
+                        <m:r>
+                          <a:rPr lang="en-US" i="1">
+                            <a:latin typeface="Cambria Math" panose="02040503050406030204" pitchFamily="18" charset="0"/>
+                          </a:rPr>
+                          <m:t>𝑝</m:t>
+                        </m:r>
+                      </m:e>
+                    </m:acc>
+                  </m:oMath>
+                </a14:m>
+                <a:r>
+                  <a:rPr lang="en-US" dirty="0" smtClean="0"/>
+                  <a:t>)</a:t>
+                </a:r>
+                <a:endParaRPr lang="en-US" dirty="0"/>
+              </a:p>
+            </p:txBody>
+          </p:sp>
+        </mc:Choice>
+        <mc:Fallback xmlns="">
+          <p:sp>
+            <p:nvSpPr>
+              <p:cNvPr id="3" name="Content Placeholder 2"/>
+              <p:cNvSpPr>
+                <a:spLocks noGrp="1" noRot="1" noChangeAspect="1" noMove="1" noResize="1" noEditPoints="1" noAdjustHandles="1" noChangeArrowheads="1" noChangeShapeType="1" noTextEdit="1"/>
+              </p:cNvSpPr>
+              <p:nvPr>
+                <p:ph idx="1"/>
+              </p:nvPr>
+            </p:nvSpPr>
+            <p:spPr>
+              <a:xfrm>
+                <a:off x="838200" y="1429840"/>
+                <a:ext cx="10515600" cy="1736441"/>
+              </a:xfrm>
+              <a:blipFill rotWithShape="0">
+                <a:blip r:embed="rId3"/>
+                <a:stretch>
+                  <a:fillRect l="-1217" t="-6338"/>
+                </a:stretch>
+              </a:blipFill>
+            </p:spPr>
+            <p:txBody>
+              <a:bodyPr/>
+              <a:lstStyle/>
+              <a:p>
+                <a:r>
+                  <a:rPr lang="en-US">
+                    <a:noFill/>
+                  </a:rPr>
+                  <a:t> </a:t>
+                </a:r>
+              </a:p>
+            </p:txBody>
+          </p:sp>
+        </mc:Fallback>
+      </mc:AlternateContent>
+      <p:pic>
+        <p:nvPicPr>
+          <p:cNvPr id="4" name="Picture 3"/>
+          <p:cNvPicPr>
+            <a:picLocks noChangeAspect="1"/>
+          </p:cNvPicPr>
+          <p:nvPr/>
+        </p:nvPicPr>
+        <p:blipFill>
+          <a:blip r:embed="rId4">
+            <a:extLst>
+              <a:ext uri="{BEBA8EAE-BF5A-486C-A8C5-ECC9F3942E4B}">
+                <a14:imgProps xmlns:a14="http://schemas.microsoft.com/office/drawing/2010/main">
+                  <a14:imgLayer r:embed="rId5">
+                    <a14:imgEffect>
+                      <a14:sharpenSoften amount="50000"/>
+                    </a14:imgEffect>
+                  </a14:imgLayer>
+                </a14:imgProps>
+              </a:ext>
+            </a:extLst>
+          </a:blip>
+          <a:stretch>
+            <a:fillRect/>
+          </a:stretch>
+        </p:blipFill>
+        <p:spPr>
+          <a:xfrm>
+            <a:off x="838200" y="3166281"/>
+            <a:ext cx="10806254" cy="1416867"/>
+          </a:xfrm>
+          <a:prstGeom prst="rect">
+            <a:avLst/>
+          </a:prstGeom>
+        </p:spPr>
+      </p:pic>
+    </p:spTree>
+    <p:extLst>
+      <p:ext uri="{BB962C8B-B14F-4D97-AF65-F5344CB8AC3E}">
+        <p14:creationId xmlns:p14="http://schemas.microsoft.com/office/powerpoint/2010/main" val="206304921"/>
+      </p:ext>
+    </p:extLst>
+  </p:cSld>
+  <p:clrMapOvr>
+    <a:masterClrMapping/>
+  </p:clrMapOvr>
+  <p:timing>
+    <p:tnLst>
+      <p:par>
+        <p:cTn id="1" dur="indefinite" restart="never" nodeType="tmRoot">
+          <p:childTnLst>
+            <p:seq concurrent="1" nextAc="seek">
+              <p:cTn id="2" dur="indefinite" nodeType="mainSeq">
+                <p:childTnLst>
+                  <p:par>
+                    <p:cTn id="3" fill="hold">
+                      <p:stCondLst>
+                        <p:cond delay="indefinite"/>
+                      </p:stCondLst>
+                      <p:childTnLst>
+                        <p:par>
+                          <p:cTn id="4" fill="hold">
+                            <p:stCondLst>
+                              <p:cond delay="0"/>
+                            </p:stCondLst>
+                            <p:childTnLst>
+                              <p:par>
+                                <p:cTn id="5" presetID="10" presetClass="entr" presetSubtype="0" fill="hold" nodeType="clickEffect">
+                                  <p:stCondLst>
+                                    <p:cond delay="0"/>
+                                  </p:stCondLst>
+                                  <p:childTnLst>
+                                    <p:set>
+                                      <p:cBhvr>
+                                        <p:cTn id="6" dur="1" fill="hold">
+                                          <p:stCondLst>
+                                            <p:cond delay="0"/>
+                                          </p:stCondLst>
+                                        </p:cTn>
+                                        <p:tgtEl>
+                                          <p:spTgt spid="4"/>
+                                        </p:tgtEl>
+                                        <p:attrNameLst>
+                                          <p:attrName>style.visibility</p:attrName>
+                                        </p:attrNameLst>
+                                      </p:cBhvr>
+                                      <p:to>
+                                        <p:strVal val="visible"/>
+                                      </p:to>
+                                    </p:set>
+                                    <p:animEffect transition="in" filter="fade">
+                                      <p:cBhvr>
+                                        <p:cTn id="7" dur="500"/>
+                                        <p:tgtEl>
+                                          <p:spTgt spid="4"/>
+                                        </p:tgtEl>
+                                      </p:cBhvr>
+                                    </p:animEffect>
+                                  </p:childTnLst>
+                                </p:cTn>
+                              </p:par>
+                            </p:childTnLst>
+                          </p:cTn>
+                        </p:par>
+                      </p:childTnLst>
+                    </p:cTn>
+                  </p:par>
+                </p:childTnLst>
+              </p:cTn>
+              <p:prevCondLst>
+                <p:cond evt="onPrev" delay="0">
+                  <p:tgtEl>
+                    <p:sldTgt/>
+                  </p:tgtEl>
+                </p:cond>
+              </p:prevCondLst>
+              <p:nextCondLst>
+                <p:cond evt="onNext" delay="0">
+                  <p:tgtEl>
+                    <p:sldTgt/>
+                  </p:tgtEl>
+                </p:cond>
+              </p:nextCondLst>
+            </p:seq>
+          </p:childTnLst>
+        </p:cTn>
+      </p:par>
+    </p:tnLst>
+  </p:timing>
+</p:sld>
+</file>
+
+<file path=ppt/slides/slide17.xml><?xml version="1.0" encoding="utf-8"?>
+<p:sld xmlns:a="http://schemas.openxmlformats.org/drawingml/2006/main" xmlns:r="http://schemas.openxmlformats.org/officeDocument/2006/relationships" xmlns:p="http://schemas.openxmlformats.org/presentationml/2006/main">
+  <p:cSld>
+    <p:spTree>
+      <p:nvGrpSpPr>
+        <p:cNvPr id="1" name=""/>
+        <p:cNvGrpSpPr/>
+        <p:nvPr/>
+      </p:nvGrpSpPr>
+      <p:grpSpPr>
+        <a:xfrm>
+          <a:off x="0" y="0"/>
+          <a:ext cx="0" cy="0"/>
+          <a:chOff x="0" y="0"/>
+          <a:chExt cx="0" cy="0"/>
+        </a:xfrm>
+      </p:grpSpPr>
+      <p:sp>
+        <p:nvSpPr>
+          <p:cNvPr id="2" name="Title 1"/>
+          <p:cNvSpPr>
+            <a:spLocks noGrp="1"/>
+          </p:cNvSpPr>
+          <p:nvPr>
+            <p:ph type="title"/>
+          </p:nvPr>
+        </p:nvSpPr>
+        <p:spPr/>
+        <p:txBody>
+          <a:bodyPr/>
+          <a:lstStyle/>
+          <a:p>
+            <a:r>
+              <a:rPr lang="en-US" dirty="0" smtClean="0"/>
+              <a:t>The procedure of work sampling</a:t>
+            </a:r>
+            <a:endParaRPr lang="en-US" dirty="0"/>
+          </a:p>
+        </p:txBody>
+      </p:sp>
+      <p:sp>
+        <p:nvSpPr>
+          <p:cNvPr id="3" name="Content Placeholder 2"/>
+          <p:cNvSpPr>
+            <a:spLocks noGrp="1"/>
+          </p:cNvSpPr>
+          <p:nvPr>
+            <p:ph idx="1"/>
+          </p:nvPr>
+        </p:nvSpPr>
+        <p:spPr/>
+        <p:txBody>
+          <a:bodyPr>
+            <a:normAutofit fontScale="92500" lnSpcReduction="10000"/>
+          </a:bodyPr>
+          <a:lstStyle/>
+          <a:p>
+            <a:pPr marL="514350" indent="-514350">
+              <a:buAutoNum type="arabicPeriod"/>
+            </a:pPr>
+            <a:r>
+              <a:rPr lang="en-US" dirty="0" smtClean="0"/>
+              <a:t>Clearly </a:t>
+            </a:r>
+            <a:r>
+              <a:rPr lang="en-US" dirty="0"/>
+              <a:t>identify the worker(s) or machine(s) to be </a:t>
+            </a:r>
+            <a:r>
+              <a:rPr lang="en-US" dirty="0" smtClean="0"/>
+              <a:t>studied.</a:t>
+            </a:r>
+          </a:p>
+          <a:p>
+            <a:pPr marL="514350" indent="-514350">
+              <a:buAutoNum type="arabicPeriod"/>
+            </a:pPr>
+            <a:r>
+              <a:rPr lang="en-US" dirty="0" smtClean="0"/>
+              <a:t>Notify </a:t>
+            </a:r>
+            <a:r>
+              <a:rPr lang="en-US" dirty="0"/>
+              <a:t>the workers and supervisors of the purpose of the study to avoid </a:t>
+            </a:r>
+            <a:r>
+              <a:rPr lang="en-US" dirty="0" smtClean="0"/>
+              <a:t>arousing suspicions.</a:t>
+            </a:r>
+            <a:endParaRPr lang="en-US" dirty="0"/>
+          </a:p>
+          <a:p>
+            <a:pPr marL="514350" indent="-514350">
+              <a:buAutoNum type="arabicPeriod"/>
+            </a:pPr>
+            <a:r>
+              <a:rPr lang="en-US" dirty="0" smtClean="0"/>
+              <a:t>Compute </a:t>
+            </a:r>
+            <a:r>
+              <a:rPr lang="en-US" dirty="0"/>
+              <a:t>an initial estimate of sample size using a preliminary estimate of </a:t>
+            </a:r>
+            <a:r>
+              <a:rPr lang="en-US" i="1" dirty="0"/>
+              <a:t>p, </a:t>
+            </a:r>
+            <a:r>
+              <a:rPr lang="en-US" dirty="0"/>
+              <a:t>if available (e.g., from analyst experience or past data). Otherwise, use </a:t>
+            </a:r>
+            <a:r>
+              <a:rPr lang="en-US" i="1" dirty="0"/>
+              <a:t>p </a:t>
+            </a:r>
+            <a:r>
+              <a:rPr lang="en-US" dirty="0"/>
+              <a:t>= .</a:t>
+            </a:r>
+            <a:r>
+              <a:rPr lang="en-US" dirty="0" smtClean="0"/>
+              <a:t>50.</a:t>
+            </a:r>
+          </a:p>
+          <a:p>
+            <a:pPr marL="514350" indent="-514350">
+              <a:buAutoNum type="arabicPeriod"/>
+            </a:pPr>
+            <a:r>
+              <a:rPr lang="en-US" dirty="0" smtClean="0"/>
+              <a:t>Develop </a:t>
+            </a:r>
+            <a:r>
+              <a:rPr lang="en-US" dirty="0"/>
+              <a:t>a random observation </a:t>
+            </a:r>
+            <a:r>
+              <a:rPr lang="en-US" dirty="0" smtClean="0"/>
+              <a:t>schedule.</a:t>
+            </a:r>
+          </a:p>
+          <a:p>
+            <a:pPr marL="514350" indent="-514350">
+              <a:buAutoNum type="arabicPeriod"/>
+            </a:pPr>
+            <a:r>
+              <a:rPr lang="en-US" dirty="0" smtClean="0"/>
+              <a:t>Begin </a:t>
+            </a:r>
+            <a:r>
+              <a:rPr lang="en-US" dirty="0"/>
+              <a:t>taking observations. </a:t>
+            </a:r>
+            <a:r>
+              <a:rPr lang="en-US" dirty="0" smtClean="0"/>
+              <a:t>Re-compute </a:t>
+            </a:r>
+            <a:r>
+              <a:rPr lang="en-US" dirty="0"/>
+              <a:t>the required sample size several times </a:t>
+            </a:r>
+            <a:r>
+              <a:rPr lang="en-US" dirty="0" smtClean="0"/>
+              <a:t>during the study.</a:t>
+            </a:r>
+          </a:p>
+          <a:p>
+            <a:pPr marL="514350" indent="-514350">
+              <a:buAutoNum type="arabicPeriod"/>
+            </a:pPr>
+            <a:r>
+              <a:rPr lang="en-US" dirty="0" smtClean="0"/>
+              <a:t>Determine </a:t>
+            </a:r>
+            <a:r>
+              <a:rPr lang="en-US" dirty="0"/>
+              <a:t>the estimated proportion of time spent on the specified activity </a:t>
+            </a:r>
+          </a:p>
+        </p:txBody>
+      </p:sp>
+    </p:spTree>
+    <p:extLst>
+      <p:ext uri="{BB962C8B-B14F-4D97-AF65-F5344CB8AC3E}">
+        <p14:creationId xmlns:p14="http://schemas.microsoft.com/office/powerpoint/2010/main" val="4019432312"/>
+      </p:ext>
+    </p:extLst>
+  </p:cSld>
+  <p:clrMapOvr>
+    <a:masterClrMapping/>
+  </p:clrMapOvr>
+  <p:timing>
+    <p:tnLst>
+      <p:par>
+        <p:cTn id="1" dur="indefinite" restart="never" nodeType="tmRoot"/>
+      </p:par>
+    </p:tnLst>
+  </p:timing>
+</p:sld>
+</file>
+
+<file path=ppt/slides/slide18.xml><?xml version="1.0" encoding="utf-8"?>
+<p:sld xmlns:a="http://schemas.openxmlformats.org/drawingml/2006/main" xmlns:r="http://schemas.openxmlformats.org/officeDocument/2006/relationships" xmlns:p="http://schemas.openxmlformats.org/presentationml/2006/main">
+  <p:cSld>
+    <p:spTree>
+      <p:nvGrpSpPr>
+        <p:cNvPr id="1" name=""/>
+        <p:cNvGrpSpPr/>
+        <p:nvPr/>
+      </p:nvGrpSpPr>
+      <p:grpSpPr>
+        <a:xfrm>
+          <a:off x="0" y="0"/>
+          <a:ext cx="0" cy="0"/>
+          <a:chOff x="0" y="0"/>
+          <a:chExt cx="0" cy="0"/>
+        </a:xfrm>
+      </p:grpSpPr>
+      <p:sp>
+        <p:nvSpPr>
+          <p:cNvPr id="2" name="Title 1"/>
+          <p:cNvSpPr>
+            <a:spLocks noGrp="1"/>
+          </p:cNvSpPr>
+          <p:nvPr>
+            <p:ph type="title"/>
+          </p:nvPr>
+        </p:nvSpPr>
+        <p:spPr/>
+        <p:txBody>
+          <a:bodyPr/>
+          <a:lstStyle/>
+          <a:p>
+            <a:endParaRPr lang="en-US"/>
           </a:p>
         </p:txBody>
       </p:sp>
@@ -10694,10 +11925,189 @@
           </a:p>
         </p:txBody>
       </p:sp>
+      <p:pic>
+        <p:nvPicPr>
+          <p:cNvPr id="4" name="Picture 3"/>
+          <p:cNvPicPr>
+            <a:picLocks noChangeAspect="1"/>
+          </p:cNvPicPr>
+          <p:nvPr/>
+        </p:nvPicPr>
+        <p:blipFill>
+          <a:blip r:embed="rId3">
+            <a:extLst>
+              <a:ext uri="{BEBA8EAE-BF5A-486C-A8C5-ECC9F3942E4B}">
+                <a14:imgProps xmlns:a14="http://schemas.microsoft.com/office/drawing/2010/main">
+                  <a14:imgLayer r:embed="rId4">
+                    <a14:imgEffect>
+                      <a14:sharpenSoften amount="50000"/>
+                    </a14:imgEffect>
+                  </a14:imgLayer>
+                </a14:imgProps>
+              </a:ext>
+            </a:extLst>
+          </a:blip>
+          <a:stretch>
+            <a:fillRect/>
+          </a:stretch>
+        </p:blipFill>
+        <p:spPr>
+          <a:xfrm>
+            <a:off x="1055279" y="1690688"/>
+            <a:ext cx="10081441" cy="4397944"/>
+          </a:xfrm>
+          <a:prstGeom prst="rect">
+            <a:avLst/>
+          </a:prstGeom>
+        </p:spPr>
+      </p:pic>
+      <p:sp>
+        <p:nvSpPr>
+          <p:cNvPr id="5" name="Rectangle 4"/>
+          <p:cNvSpPr/>
+          <p:nvPr/>
+        </p:nvSpPr>
+        <p:spPr>
+          <a:xfrm>
+            <a:off x="8260067" y="5854237"/>
+            <a:ext cx="3093732" cy="369332"/>
+          </a:xfrm>
+          <a:prstGeom prst="rect">
+            <a:avLst/>
+          </a:prstGeom>
+        </p:spPr>
+        <p:txBody>
+          <a:bodyPr wrap="none">
+            <a:spAutoFit/>
+          </a:bodyPr>
+          <a:lstStyle/>
+          <a:p>
+            <a:r>
+              <a:rPr lang="en-US" dirty="0"/>
+              <a:t>Source: FE – Industrial Specific</a:t>
+            </a:r>
+            <a:endParaRPr lang="en-US" dirty="0"/>
+          </a:p>
+        </p:txBody>
+      </p:sp>
     </p:spTree>
     <p:extLst>
       <p:ext uri="{BB962C8B-B14F-4D97-AF65-F5344CB8AC3E}">
-        <p14:creationId xmlns:p14="http://schemas.microsoft.com/office/powerpoint/2010/main" val="139168818"/>
+        <p14:creationId xmlns:p14="http://schemas.microsoft.com/office/powerpoint/2010/main" val="4179943418"/>
+      </p:ext>
+    </p:extLst>
+  </p:cSld>
+  <p:clrMapOvr>
+    <a:masterClrMapping/>
+  </p:clrMapOvr>
+</p:sld>
+</file>
+
+<file path=ppt/slides/slide19.xml><?xml version="1.0" encoding="utf-8"?>
+<p:sld xmlns:a="http://schemas.openxmlformats.org/drawingml/2006/main" xmlns:r="http://schemas.openxmlformats.org/officeDocument/2006/relationships" xmlns:p="http://schemas.openxmlformats.org/presentationml/2006/main">
+  <p:cSld>
+    <p:spTree>
+      <p:nvGrpSpPr>
+        <p:cNvPr id="1" name=""/>
+        <p:cNvGrpSpPr/>
+        <p:nvPr/>
+      </p:nvGrpSpPr>
+      <p:grpSpPr>
+        <a:xfrm>
+          <a:off x="0" y="0"/>
+          <a:ext cx="0" cy="0"/>
+          <a:chOff x="0" y="0"/>
+          <a:chExt cx="0" cy="0"/>
+        </a:xfrm>
+      </p:grpSpPr>
+      <p:pic>
+        <p:nvPicPr>
+          <p:cNvPr id="4" name="Content Placeholder 3"/>
+          <p:cNvPicPr>
+            <a:picLocks noGrp="1" noChangeAspect="1"/>
+          </p:cNvPicPr>
+          <p:nvPr>
+            <p:ph idx="1"/>
+          </p:nvPr>
+        </p:nvPicPr>
+        <p:blipFill>
+          <a:blip r:embed="rId2">
+            <a:extLst>
+              <a:ext uri="{BEBA8EAE-BF5A-486C-A8C5-ECC9F3942E4B}">
+                <a14:imgProps xmlns:a14="http://schemas.microsoft.com/office/drawing/2010/main">
+                  <a14:imgLayer r:embed="rId3">
+                    <a14:imgEffect>
+                      <a14:sharpenSoften amount="50000"/>
+                    </a14:imgEffect>
+                    <a14:imgEffect>
+                      <a14:brightnessContrast bright="40000" contrast="-40000"/>
+                    </a14:imgEffect>
+                  </a14:imgLayer>
+                </a14:imgProps>
+              </a:ext>
+            </a:extLst>
+          </a:blip>
+          <a:stretch>
+            <a:fillRect/>
+          </a:stretch>
+        </p:blipFill>
+        <p:spPr>
+          <a:xfrm>
+            <a:off x="541503" y="257672"/>
+            <a:ext cx="11096623" cy="2717540"/>
+          </a:xfrm>
+          <a:prstGeom prst="rect">
+            <a:avLst/>
+          </a:prstGeom>
+        </p:spPr>
+      </p:pic>
+      <p:pic>
+        <p:nvPicPr>
+          <p:cNvPr id="5" name="Picture 4"/>
+          <p:cNvPicPr>
+            <a:picLocks noChangeAspect="1"/>
+          </p:cNvPicPr>
+          <p:nvPr/>
+        </p:nvPicPr>
+        <p:blipFill>
+          <a:blip r:embed="rId4">
+            <a:duotone>
+              <a:prstClr val="black"/>
+              <a:schemeClr val="accent6">
+                <a:tint val="45000"/>
+                <a:satMod val="400000"/>
+              </a:schemeClr>
+            </a:duotone>
+            <a:extLst>
+              <a:ext uri="{BEBA8EAE-BF5A-486C-A8C5-ECC9F3942E4B}">
+                <a14:imgProps xmlns:a14="http://schemas.microsoft.com/office/drawing/2010/main">
+                  <a14:imgLayer r:embed="rId5">
+                    <a14:imgEffect>
+                      <a14:brightnessContrast contrast="20000"/>
+                    </a14:imgEffect>
+                  </a14:imgLayer>
+                </a14:imgProps>
+              </a:ext>
+            </a:extLst>
+          </a:blip>
+          <a:stretch>
+            <a:fillRect/>
+          </a:stretch>
+        </p:blipFill>
+        <p:spPr>
+          <a:xfrm>
+            <a:off x="1784483" y="3229187"/>
+            <a:ext cx="8610662" cy="2925953"/>
+          </a:xfrm>
+          <a:prstGeom prst="rect">
+            <a:avLst/>
+          </a:prstGeom>
+        </p:spPr>
+      </p:pic>
+    </p:spTree>
+    <p:extLst>
+      <p:ext uri="{BB962C8B-B14F-4D97-AF65-F5344CB8AC3E}">
+        <p14:creationId xmlns:p14="http://schemas.microsoft.com/office/powerpoint/2010/main" val="1880999300"/>
       </p:ext>
     </p:extLst>
   </p:cSld>
@@ -10795,6 +12205,1681 @@
 </p:sld>
 </file>
 
+<file path=ppt/slides/slide20.xml><?xml version="1.0" encoding="utf-8"?>
+<p:sld xmlns:a="http://schemas.openxmlformats.org/drawingml/2006/main" xmlns:r="http://schemas.openxmlformats.org/officeDocument/2006/relationships" xmlns:p="http://schemas.openxmlformats.org/presentationml/2006/main">
+  <p:cSld>
+    <p:spTree>
+      <p:nvGrpSpPr>
+        <p:cNvPr id="1" name=""/>
+        <p:cNvGrpSpPr/>
+        <p:nvPr/>
+      </p:nvGrpSpPr>
+      <p:grpSpPr>
+        <a:xfrm>
+          <a:off x="0" y="0"/>
+          <a:ext cx="0" cy="0"/>
+          <a:chOff x="0" y="0"/>
+          <a:chExt cx="0" cy="0"/>
+        </a:xfrm>
+      </p:grpSpPr>
+      <p:sp>
+        <p:nvSpPr>
+          <p:cNvPr id="2" name="Title 1"/>
+          <p:cNvSpPr>
+            <a:spLocks noGrp="1"/>
+          </p:cNvSpPr>
+          <p:nvPr>
+            <p:ph type="title"/>
+          </p:nvPr>
+        </p:nvSpPr>
+        <p:spPr/>
+        <p:txBody>
+          <a:bodyPr/>
+          <a:lstStyle/>
+          <a:p>
+            <a:endParaRPr lang="en-US"/>
+          </a:p>
+        </p:txBody>
+      </p:sp>
+      <p:sp>
+        <p:nvSpPr>
+          <p:cNvPr id="3" name="Content Placeholder 2"/>
+          <p:cNvSpPr>
+            <a:spLocks noGrp="1"/>
+          </p:cNvSpPr>
+          <p:nvPr>
+            <p:ph idx="1"/>
+          </p:nvPr>
+        </p:nvSpPr>
+        <p:spPr/>
+        <p:txBody>
+          <a:bodyPr/>
+          <a:lstStyle/>
+          <a:p>
+            <a:endParaRPr lang="en-US"/>
+          </a:p>
+        </p:txBody>
+      </p:sp>
+      <p:pic>
+        <p:nvPicPr>
+          <p:cNvPr id="4" name="Picture 3"/>
+          <p:cNvPicPr>
+            <a:picLocks noChangeAspect="1"/>
+          </p:cNvPicPr>
+          <p:nvPr/>
+        </p:nvPicPr>
+        <p:blipFill>
+          <a:blip r:embed="rId2">
+            <a:extLst>
+              <a:ext uri="{BEBA8EAE-BF5A-486C-A8C5-ECC9F3942E4B}">
+                <a14:imgProps xmlns:a14="http://schemas.microsoft.com/office/drawing/2010/main">
+                  <a14:imgLayer r:embed="rId3">
+                    <a14:imgEffect>
+                      <a14:brightnessContrast bright="20000" contrast="40000"/>
+                    </a14:imgEffect>
+                  </a14:imgLayer>
+                </a14:imgProps>
+              </a:ext>
+            </a:extLst>
+          </a:blip>
+          <a:stretch>
+            <a:fillRect/>
+          </a:stretch>
+        </p:blipFill>
+        <p:spPr>
+          <a:xfrm>
+            <a:off x="1132764" y="-42776"/>
+            <a:ext cx="9935571" cy="6900776"/>
+          </a:xfrm>
+          <a:prstGeom prst="rect">
+            <a:avLst/>
+          </a:prstGeom>
+        </p:spPr>
+      </p:pic>
+    </p:spTree>
+    <p:extLst>
+      <p:ext uri="{BB962C8B-B14F-4D97-AF65-F5344CB8AC3E}">
+        <p14:creationId xmlns:p14="http://schemas.microsoft.com/office/powerpoint/2010/main" val="1957111211"/>
+      </p:ext>
+    </p:extLst>
+  </p:cSld>
+  <p:clrMapOvr>
+    <a:masterClrMapping/>
+  </p:clrMapOvr>
+  <p:timing>
+    <p:tnLst>
+      <p:par>
+        <p:cTn id="1" dur="indefinite" restart="never" nodeType="tmRoot"/>
+      </p:par>
+    </p:tnLst>
+  </p:timing>
+</p:sld>
+</file>
+
+<file path=ppt/slides/slide21.xml><?xml version="1.0" encoding="utf-8"?>
+<p:sld xmlns:a="http://schemas.openxmlformats.org/drawingml/2006/main" xmlns:r="http://schemas.openxmlformats.org/officeDocument/2006/relationships" xmlns:p="http://schemas.openxmlformats.org/presentationml/2006/main">
+  <p:cSld>
+    <p:spTree>
+      <p:nvGrpSpPr>
+        <p:cNvPr id="1" name=""/>
+        <p:cNvGrpSpPr/>
+        <p:nvPr/>
+      </p:nvGrpSpPr>
+      <p:grpSpPr>
+        <a:xfrm>
+          <a:off x="0" y="0"/>
+          <a:ext cx="0" cy="0"/>
+          <a:chOff x="0" y="0"/>
+          <a:chExt cx="0" cy="0"/>
+        </a:xfrm>
+      </p:grpSpPr>
+      <p:sp>
+        <p:nvSpPr>
+          <p:cNvPr id="2" name="Title 1"/>
+          <p:cNvSpPr>
+            <a:spLocks noGrp="1"/>
+          </p:cNvSpPr>
+          <p:nvPr>
+            <p:ph type="title"/>
+          </p:nvPr>
+        </p:nvSpPr>
+        <p:spPr/>
+        <p:txBody>
+          <a:bodyPr>
+            <a:normAutofit/>
+          </a:bodyPr>
+          <a:lstStyle/>
+          <a:p>
+            <a:r>
+              <a:rPr lang="en-US" dirty="0" smtClean="0"/>
+              <a:t>E. Learning curves </a:t>
+            </a:r>
+            <a:endParaRPr lang="en-US" dirty="0"/>
+          </a:p>
+        </p:txBody>
+      </p:sp>
+      <p:sp>
+        <p:nvSpPr>
+          <p:cNvPr id="3" name="Content Placeholder 2"/>
+          <p:cNvSpPr>
+            <a:spLocks noGrp="1"/>
+          </p:cNvSpPr>
+          <p:nvPr>
+            <p:ph idx="1"/>
+          </p:nvPr>
+        </p:nvSpPr>
+        <p:spPr>
+          <a:xfrm>
+            <a:off x="838200" y="1825625"/>
+            <a:ext cx="5043985" cy="4351338"/>
+          </a:xfrm>
+        </p:spPr>
+        <p:txBody>
+          <a:bodyPr/>
+          <a:lstStyle/>
+          <a:p>
+            <a:r>
+              <a:rPr lang="en-US" dirty="0"/>
+              <a:t>Human performance of activities typically shows improvement when the activities </a:t>
+            </a:r>
+            <a:r>
+              <a:rPr lang="en-US" dirty="0" smtClean="0"/>
+              <a:t>are done </a:t>
+            </a:r>
+            <a:r>
+              <a:rPr lang="en-US" dirty="0"/>
+              <a:t>on a repetitive basis: The time required to perform a task decreases with </a:t>
+            </a:r>
+            <a:r>
+              <a:rPr lang="en-US" dirty="0" smtClean="0"/>
+              <a:t>increasing repetitions</a:t>
+            </a:r>
+            <a:r>
+              <a:rPr lang="en-US" dirty="0"/>
+              <a:t>. </a:t>
+            </a:r>
+            <a:r>
+              <a:rPr lang="en-US" i="1" dirty="0"/>
+              <a:t>Learning curves </a:t>
+            </a:r>
+            <a:r>
+              <a:rPr lang="en-US" dirty="0"/>
+              <a:t>summarize this phenomenon </a:t>
+            </a:r>
+            <a:br>
+              <a:rPr lang="en-US" dirty="0"/>
+            </a:br>
+            <a:endParaRPr lang="en-US" dirty="0"/>
+          </a:p>
+        </p:txBody>
+      </p:sp>
+      <p:pic>
+        <p:nvPicPr>
+          <p:cNvPr id="4" name="Picture 3"/>
+          <p:cNvPicPr>
+            <a:picLocks noChangeAspect="1"/>
+          </p:cNvPicPr>
+          <p:nvPr/>
+        </p:nvPicPr>
+        <p:blipFill>
+          <a:blip r:embed="rId2">
+            <a:extLst>
+              <a:ext uri="{BEBA8EAE-BF5A-486C-A8C5-ECC9F3942E4B}">
+                <a14:imgProps xmlns:a14="http://schemas.microsoft.com/office/drawing/2010/main">
+                  <a14:imgLayer r:embed="rId3">
+                    <a14:imgEffect>
+                      <a14:sharpenSoften amount="50000"/>
+                    </a14:imgEffect>
+                  </a14:imgLayer>
+                </a14:imgProps>
+              </a:ext>
+            </a:extLst>
+          </a:blip>
+          <a:stretch>
+            <a:fillRect/>
+          </a:stretch>
+        </p:blipFill>
+        <p:spPr>
+          <a:xfrm>
+            <a:off x="5526125" y="1396395"/>
+            <a:ext cx="6069139" cy="4062709"/>
+          </a:xfrm>
+          <a:prstGeom prst="rect">
+            <a:avLst/>
+          </a:prstGeom>
+        </p:spPr>
+      </p:pic>
+    </p:spTree>
+    <p:extLst>
+      <p:ext uri="{BB962C8B-B14F-4D97-AF65-F5344CB8AC3E}">
+        <p14:creationId xmlns:p14="http://schemas.microsoft.com/office/powerpoint/2010/main" val="139168818"/>
+      </p:ext>
+    </p:extLst>
+  </p:cSld>
+  <p:clrMapOvr>
+    <a:masterClrMapping/>
+  </p:clrMapOvr>
+  <p:timing>
+    <p:tnLst>
+      <p:par>
+        <p:cTn id="1" dur="indefinite" restart="never" nodeType="tmRoot"/>
+      </p:par>
+    </p:tnLst>
+  </p:timing>
+</p:sld>
+</file>
+
+<file path=ppt/slides/slide22.xml><?xml version="1.0" encoding="utf-8"?>
+<p:sld xmlns:a="http://schemas.openxmlformats.org/drawingml/2006/main" xmlns:r="http://schemas.openxmlformats.org/officeDocument/2006/relationships" xmlns:p="http://schemas.openxmlformats.org/presentationml/2006/main">
+  <p:cSld>
+    <p:spTree>
+      <p:nvGrpSpPr>
+        <p:cNvPr id="1" name=""/>
+        <p:cNvGrpSpPr/>
+        <p:nvPr/>
+      </p:nvGrpSpPr>
+      <p:grpSpPr>
+        <a:xfrm>
+          <a:off x="0" y="0"/>
+          <a:ext cx="0" cy="0"/>
+          <a:chOff x="0" y="0"/>
+          <a:chExt cx="0" cy="0"/>
+        </a:xfrm>
+      </p:grpSpPr>
+      <p:sp>
+        <p:nvSpPr>
+          <p:cNvPr id="2" name="Title 1"/>
+          <p:cNvSpPr>
+            <a:spLocks noGrp="1"/>
+          </p:cNvSpPr>
+          <p:nvPr>
+            <p:ph type="title"/>
+          </p:nvPr>
+        </p:nvSpPr>
+        <p:spPr/>
+        <p:txBody>
+          <a:bodyPr/>
+          <a:lstStyle/>
+          <a:p>
+            <a:r>
+              <a:rPr lang="en-US" dirty="0" smtClean="0"/>
+              <a:t>Learning Curve</a:t>
+            </a:r>
+            <a:endParaRPr lang="en-US" dirty="0"/>
+          </a:p>
+        </p:txBody>
+      </p:sp>
+      <mc:AlternateContent xmlns:mc="http://schemas.openxmlformats.org/markup-compatibility/2006" xmlns:a14="http://schemas.microsoft.com/office/drawing/2010/main">
+        <mc:Choice Requires="a14">
+          <p:sp>
+            <p:nvSpPr>
+              <p:cNvPr id="3" name="Content Placeholder 2"/>
+              <p:cNvSpPr>
+                <a:spLocks noGrp="1"/>
+              </p:cNvSpPr>
+              <p:nvPr>
+                <p:ph idx="1"/>
+              </p:nvPr>
+            </p:nvSpPr>
+            <p:spPr/>
+            <p:txBody>
+              <a:bodyPr>
+                <a:normAutofit fontScale="92500" lnSpcReduction="20000"/>
+              </a:bodyPr>
+              <a:lstStyle/>
+              <a:p>
+                <a:r>
+                  <a:rPr lang="en-US" dirty="0" smtClean="0"/>
+                  <a:t>The </a:t>
+                </a:r>
+                <a:r>
+                  <a:rPr lang="en-US" dirty="0" err="1"/>
+                  <a:t>labour</a:t>
+                </a:r>
+                <a:r>
+                  <a:rPr lang="en-US" dirty="0"/>
+                  <a:t> content (in person-</a:t>
+                </a:r>
+                <a:r>
+                  <a:rPr lang="en-US" dirty="0" err="1"/>
+                  <a:t>hrs</a:t>
+                </a:r>
+                <a:r>
+                  <a:rPr lang="en-US" dirty="0"/>
+                  <a:t> per unit) requires to make a product, expressed as a </a:t>
+                </a:r>
+                <a:r>
+                  <a:rPr lang="en-US" dirty="0" smtClean="0"/>
+                  <a:t>function of </a:t>
+                </a:r>
+                <a:r>
+                  <a:rPr lang="en-US" dirty="0"/>
+                  <a:t>the cumulative number of units made is called Learning Curve </a:t>
+                </a:r>
+                <a:br>
+                  <a:rPr lang="en-US" dirty="0"/>
+                </a:br>
+                <a:endParaRPr lang="en-US" dirty="0"/>
+              </a:p>
+              <a:p>
+                <a:r>
+                  <a:rPr lang="en-US" dirty="0" smtClean="0"/>
+                  <a:t>the amount of time required to make the nth unit of the product will be</a:t>
+                </a:r>
+                <a:br>
+                  <a:rPr lang="en-US" dirty="0" smtClean="0"/>
+                </a:br>
+                <a14:m>
+                  <m:oMath xmlns:m="http://schemas.openxmlformats.org/officeDocument/2006/math">
+                    <m:sSub>
+                      <m:sSubPr>
+                        <m:ctrlPr>
+                          <a:rPr lang="en-US" b="0" i="1" smtClean="0">
+                            <a:latin typeface="Cambria Math" panose="02040503050406030204" pitchFamily="18" charset="0"/>
+                          </a:rPr>
+                        </m:ctrlPr>
+                      </m:sSubPr>
+                      <m:e>
+                        <m:r>
+                          <a:rPr lang="en-US" i="1" smtClean="0">
+                            <a:latin typeface="Cambria Math" panose="02040503050406030204" pitchFamily="18" charset="0"/>
+                          </a:rPr>
+                          <m:t>𝑇</m:t>
+                        </m:r>
+                      </m:e>
+                      <m:sub>
+                        <m:r>
+                          <a:rPr lang="en-US" i="1" smtClean="0">
+                            <a:latin typeface="Cambria Math" panose="02040503050406030204" pitchFamily="18" charset="0"/>
+                          </a:rPr>
+                          <m:t>𝑛</m:t>
+                        </m:r>
+                      </m:sub>
+                    </m:sSub>
+                    <m:r>
+                      <a:rPr lang="en-US" i="1" smtClean="0">
+                        <a:latin typeface="Cambria Math" panose="02040503050406030204" pitchFamily="18" charset="0"/>
+                      </a:rPr>
+                      <m:t> = </m:t>
+                    </m:r>
+                    <m:sSub>
+                      <m:sSubPr>
+                        <m:ctrlPr>
+                          <a:rPr lang="en-US" b="0" i="1" smtClean="0">
+                            <a:latin typeface="Cambria Math" panose="02040503050406030204" pitchFamily="18" charset="0"/>
+                          </a:rPr>
+                        </m:ctrlPr>
+                      </m:sSubPr>
+                      <m:e>
+                        <m:r>
+                          <a:rPr lang="en-US" i="1" smtClean="0">
+                            <a:latin typeface="Cambria Math" panose="02040503050406030204" pitchFamily="18" charset="0"/>
+                          </a:rPr>
+                          <m:t>𝑇</m:t>
+                        </m:r>
+                      </m:e>
+                      <m:sub>
+                        <m:r>
+                          <a:rPr lang="en-US" i="1" smtClean="0">
+                            <a:latin typeface="Cambria Math" panose="02040503050406030204" pitchFamily="18" charset="0"/>
+                          </a:rPr>
+                          <m:t>1</m:t>
+                        </m:r>
+                      </m:sub>
+                    </m:sSub>
+                    <m:r>
+                      <a:rPr lang="en-US" i="1" smtClean="0">
+                        <a:latin typeface="Cambria Math" panose="02040503050406030204" pitchFamily="18" charset="0"/>
+                      </a:rPr>
+                      <m:t>×</m:t>
+                    </m:r>
+                    <m:sSup>
+                      <m:sSupPr>
+                        <m:ctrlPr>
+                          <a:rPr lang="en-US" b="0" i="1" smtClean="0">
+                            <a:latin typeface="Cambria Math" panose="02040503050406030204" pitchFamily="18" charset="0"/>
+                          </a:rPr>
+                        </m:ctrlPr>
+                      </m:sSupPr>
+                      <m:e>
+                        <m:r>
+                          <a:rPr lang="en-US" i="1" smtClean="0">
+                            <a:latin typeface="Cambria Math" panose="02040503050406030204" pitchFamily="18" charset="0"/>
+                          </a:rPr>
+                          <m:t>𝑛</m:t>
+                        </m:r>
+                      </m:e>
+                      <m:sup>
+                        <m:r>
+                          <a:rPr lang="en-US" i="1" smtClean="0">
+                            <a:latin typeface="Cambria Math" panose="02040503050406030204" pitchFamily="18" charset="0"/>
+                          </a:rPr>
+                          <m:t>𝑎</m:t>
+                        </m:r>
+                      </m:sup>
+                    </m:sSup>
+                  </m:oMath>
+                </a14:m>
+                <a:r>
+                  <a:rPr lang="en-US" dirty="0"/>
+                  <a:t/>
+                </a:r>
+                <a:br>
+                  <a:rPr lang="en-US" dirty="0"/>
+                </a:br>
+                <a:r>
+                  <a:rPr lang="en-US" dirty="0"/>
+                  <a:t>where </a:t>
+                </a:r>
+                <a14:m>
+                  <m:oMath xmlns:m="http://schemas.openxmlformats.org/officeDocument/2006/math">
+                    <m:sSub>
+                      <m:sSubPr>
+                        <m:ctrlPr>
+                          <a:rPr lang="en-US" b="0" i="1" dirty="0" smtClean="0">
+                            <a:latin typeface="Cambria Math" panose="02040503050406030204" pitchFamily="18" charset="0"/>
+                          </a:rPr>
+                        </m:ctrlPr>
+                      </m:sSubPr>
+                      <m:e>
+                        <m:r>
+                          <a:rPr lang="en-US" i="1" dirty="0" smtClean="0">
+                            <a:latin typeface="Cambria Math" panose="02040503050406030204" pitchFamily="18" charset="0"/>
+                          </a:rPr>
+                          <m:t>𝑇</m:t>
+                        </m:r>
+                      </m:e>
+                      <m:sub>
+                        <m:r>
+                          <a:rPr lang="en-US" i="1" dirty="0" smtClean="0">
+                            <a:latin typeface="Cambria Math" panose="02040503050406030204" pitchFamily="18" charset="0"/>
+                          </a:rPr>
+                          <m:t>𝑛</m:t>
+                        </m:r>
+                      </m:sub>
+                    </m:sSub>
+                  </m:oMath>
+                </a14:m>
+                <a:r>
+                  <a:rPr lang="en-US" dirty="0"/>
+                  <a:t> = Time to make the nth unit.</a:t>
+                </a:r>
+                <a:br>
+                  <a:rPr lang="en-US" dirty="0"/>
+                </a:br>
+                <a14:m>
+                  <m:oMath xmlns:m="http://schemas.openxmlformats.org/officeDocument/2006/math">
+                    <m:sSub>
+                      <m:sSubPr>
+                        <m:ctrlPr>
+                          <a:rPr lang="en-US" b="0" i="1" dirty="0" smtClean="0">
+                            <a:latin typeface="Cambria Math" panose="02040503050406030204" pitchFamily="18" charset="0"/>
+                          </a:rPr>
+                        </m:ctrlPr>
+                      </m:sSubPr>
+                      <m:e>
+                        <m:r>
+                          <a:rPr lang="en-US" i="1" dirty="0" smtClean="0">
+                            <a:latin typeface="Cambria Math" panose="02040503050406030204" pitchFamily="18" charset="0"/>
+                          </a:rPr>
+                          <m:t>𝑇</m:t>
+                        </m:r>
+                      </m:e>
+                      <m:sub>
+                        <m:r>
+                          <a:rPr lang="en-US" i="1" dirty="0" smtClean="0">
+                            <a:latin typeface="Cambria Math" panose="02040503050406030204" pitchFamily="18" charset="0"/>
+                          </a:rPr>
+                          <m:t>1</m:t>
+                        </m:r>
+                      </m:sub>
+                    </m:sSub>
+                  </m:oMath>
+                </a14:m>
+                <a:r>
+                  <a:rPr lang="en-US" dirty="0"/>
+                  <a:t> = Time to make 1st unit.</a:t>
+                </a:r>
+                <a:br>
+                  <a:rPr lang="en-US" dirty="0"/>
+                </a:br>
+                <a:r>
+                  <a:rPr lang="en-US" dirty="0"/>
+                  <a:t>a = (</a:t>
+                </a:r>
+                <a:r>
+                  <a:rPr lang="en-US" dirty="0" err="1"/>
+                  <a:t>ln</a:t>
+                </a:r>
+                <a:r>
+                  <a:rPr lang="en-US" dirty="0"/>
+                  <a:t> x/</a:t>
+                </a:r>
+                <a:r>
+                  <a:rPr lang="en-US" dirty="0" err="1"/>
+                  <a:t>ln</a:t>
+                </a:r>
+                <a:r>
+                  <a:rPr lang="en-US" dirty="0"/>
+                  <a:t> 2)</a:t>
+                </a:r>
+                <a:br>
+                  <a:rPr lang="en-US" dirty="0"/>
+                </a:br>
+                <a:r>
+                  <a:rPr lang="en-US" dirty="0"/>
+                  <a:t>x = learning rate (expressed as decimal</a:t>
+                </a:r>
+                <a:r>
+                  <a:rPr lang="en-US" dirty="0" smtClean="0"/>
+                  <a:t>)</a:t>
+                </a:r>
+              </a:p>
+              <a:p>
+                <a:r>
+                  <a:rPr lang="en-US" b="1" dirty="0" smtClean="0">
+                    <a:solidFill>
+                      <a:srgbClr val="FF0000"/>
+                    </a:solidFill>
+                  </a:rPr>
+                  <a:t>Given, 80% curve, </a:t>
+                </a:r>
+                <a14:m>
+                  <m:oMath xmlns:m="http://schemas.openxmlformats.org/officeDocument/2006/math">
+                    <m:sSub>
+                      <m:sSubPr>
+                        <m:ctrlPr>
+                          <a:rPr lang="en-US" b="1" i="1" dirty="0" smtClean="0">
+                            <a:solidFill>
+                              <a:srgbClr val="FF0000"/>
+                            </a:solidFill>
+                            <a:latin typeface="Cambria Math" panose="02040503050406030204" pitchFamily="18" charset="0"/>
+                          </a:rPr>
+                        </m:ctrlPr>
+                      </m:sSubPr>
+                      <m:e>
+                        <m:r>
+                          <a:rPr lang="en-US" b="1" i="1" dirty="0" smtClean="0">
+                            <a:solidFill>
+                              <a:srgbClr val="FF0000"/>
+                            </a:solidFill>
+                            <a:latin typeface="Cambria Math" panose="02040503050406030204" pitchFamily="18" charset="0"/>
+                          </a:rPr>
+                          <m:t>𝑻</m:t>
+                        </m:r>
+                      </m:e>
+                      <m:sub>
+                        <m:r>
+                          <a:rPr lang="en-US" b="1" i="1" dirty="0" smtClean="0">
+                            <a:solidFill>
+                              <a:srgbClr val="FF0000"/>
+                            </a:solidFill>
+                            <a:latin typeface="Cambria Math" panose="02040503050406030204" pitchFamily="18" charset="0"/>
+                          </a:rPr>
+                          <m:t>𝟏</m:t>
+                        </m:r>
+                      </m:sub>
+                    </m:sSub>
+                  </m:oMath>
+                </a14:m>
+                <a:r>
+                  <a:rPr lang="en-US" b="1" dirty="0" smtClean="0">
+                    <a:solidFill>
+                      <a:srgbClr val="FF0000"/>
+                    </a:solidFill>
+                  </a:rPr>
+                  <a:t> = 10 hours, how much it would take to produce 3</a:t>
+                </a:r>
+                <a:r>
+                  <a:rPr lang="en-US" b="1" baseline="30000" dirty="0" smtClean="0">
+                    <a:solidFill>
+                      <a:srgbClr val="FF0000"/>
+                    </a:solidFill>
+                  </a:rPr>
+                  <a:t>rd</a:t>
+                </a:r>
+                <a:r>
+                  <a:rPr lang="en-US" b="1" dirty="0" smtClean="0">
+                    <a:solidFill>
+                      <a:srgbClr val="FF0000"/>
+                    </a:solidFill>
+                  </a:rPr>
+                  <a:t> product?  </a:t>
+                </a:r>
+                <a:r>
+                  <a:rPr lang="en-US" dirty="0"/>
+                  <a:t/>
+                </a:r>
+                <a:br>
+                  <a:rPr lang="en-US" dirty="0"/>
+                </a:br>
+                <a:endParaRPr lang="en-US" dirty="0"/>
+              </a:p>
+            </p:txBody>
+          </p:sp>
+        </mc:Choice>
+        <mc:Fallback xmlns="">
+          <p:sp>
+            <p:nvSpPr>
+              <p:cNvPr id="3" name="Content Placeholder 2"/>
+              <p:cNvSpPr>
+                <a:spLocks noGrp="1" noRot="1" noChangeAspect="1" noMove="1" noResize="1" noEditPoints="1" noAdjustHandles="1" noChangeArrowheads="1" noChangeShapeType="1" noTextEdit="1"/>
+              </p:cNvSpPr>
+              <p:nvPr>
+                <p:ph idx="1"/>
+              </p:nvPr>
+            </p:nvSpPr>
+            <p:spPr>
+              <a:blipFill rotWithShape="0">
+                <a:blip r:embed="rId2"/>
+                <a:stretch>
+                  <a:fillRect l="-928" t="-3641"/>
+                </a:stretch>
+              </a:blipFill>
+            </p:spPr>
+            <p:txBody>
+              <a:bodyPr/>
+              <a:lstStyle/>
+              <a:p>
+                <a:r>
+                  <a:rPr lang="en-US">
+                    <a:noFill/>
+                  </a:rPr>
+                  <a:t> </a:t>
+                </a:r>
+              </a:p>
+            </p:txBody>
+          </p:sp>
+        </mc:Fallback>
+      </mc:AlternateContent>
+    </p:spTree>
+    <p:extLst>
+      <p:ext uri="{BB962C8B-B14F-4D97-AF65-F5344CB8AC3E}">
+        <p14:creationId xmlns:p14="http://schemas.microsoft.com/office/powerpoint/2010/main" val="2358460217"/>
+      </p:ext>
+    </p:extLst>
+  </p:cSld>
+  <p:clrMapOvr>
+    <a:masterClrMapping/>
+  </p:clrMapOvr>
+  <p:timing>
+    <p:tnLst>
+      <p:par>
+        <p:cTn id="1" dur="indefinite" restart="never" nodeType="tmRoot">
+          <p:childTnLst>
+            <p:seq concurrent="1" nextAc="seek">
+              <p:cTn id="2" dur="indefinite" nodeType="mainSeq">
+                <p:childTnLst>
+                  <p:par>
+                    <p:cTn id="3" fill="hold">
+                      <p:stCondLst>
+                        <p:cond delay="indefinite"/>
+                      </p:stCondLst>
+                      <p:childTnLst>
+                        <p:par>
+                          <p:cTn id="4" fill="hold">
+                            <p:stCondLst>
+                              <p:cond delay="0"/>
+                            </p:stCondLst>
+                            <p:childTnLst>
+                              <p:par>
+                                <p:cTn id="5" presetID="10" presetClass="entr" presetSubtype="0" fill="hold" grpId="0" nodeType="clickEffect">
+                                  <p:stCondLst>
+                                    <p:cond delay="0"/>
+                                  </p:stCondLst>
+                                  <p:childTnLst>
+                                    <p:set>
+                                      <p:cBhvr>
+                                        <p:cTn id="6" dur="1" fill="hold">
+                                          <p:stCondLst>
+                                            <p:cond delay="0"/>
+                                          </p:stCondLst>
+                                        </p:cTn>
+                                        <p:tgtEl>
+                                          <p:spTgt spid="3">
+                                            <p:txEl>
+                                              <p:pRg st="0" end="0"/>
+                                            </p:txEl>
+                                          </p:spTgt>
+                                        </p:tgtEl>
+                                        <p:attrNameLst>
+                                          <p:attrName>style.visibility</p:attrName>
+                                        </p:attrNameLst>
+                                      </p:cBhvr>
+                                      <p:to>
+                                        <p:strVal val="visible"/>
+                                      </p:to>
+                                    </p:set>
+                                    <p:animEffect transition="in" filter="fade">
+                                      <p:cBhvr>
+                                        <p:cTn id="7" dur="500"/>
+                                        <p:tgtEl>
+                                          <p:spTgt spid="3">
+                                            <p:txEl>
+                                              <p:pRg st="0" end="0"/>
+                                            </p:txEl>
+                                          </p:spTgt>
+                                        </p:tgtEl>
+                                      </p:cBhvr>
+                                    </p:animEffect>
+                                  </p:childTnLst>
+                                </p:cTn>
+                              </p:par>
+                            </p:childTnLst>
+                          </p:cTn>
+                        </p:par>
+                      </p:childTnLst>
+                    </p:cTn>
+                  </p:par>
+                  <p:par>
+                    <p:cTn id="8" fill="hold">
+                      <p:stCondLst>
+                        <p:cond delay="indefinite"/>
+                      </p:stCondLst>
+                      <p:childTnLst>
+                        <p:par>
+                          <p:cTn id="9" fill="hold">
+                            <p:stCondLst>
+                              <p:cond delay="0"/>
+                            </p:stCondLst>
+                            <p:childTnLst>
+                              <p:par>
+                                <p:cTn id="10" presetID="10" presetClass="entr" presetSubtype="0" fill="hold" grpId="0" nodeType="clickEffect">
+                                  <p:stCondLst>
+                                    <p:cond delay="0"/>
+                                  </p:stCondLst>
+                                  <p:childTnLst>
+                                    <p:set>
+                                      <p:cBhvr>
+                                        <p:cTn id="11" dur="1" fill="hold">
+                                          <p:stCondLst>
+                                            <p:cond delay="0"/>
+                                          </p:stCondLst>
+                                        </p:cTn>
+                                        <p:tgtEl>
+                                          <p:spTgt spid="3">
+                                            <p:txEl>
+                                              <p:pRg st="1" end="1"/>
+                                            </p:txEl>
+                                          </p:spTgt>
+                                        </p:tgtEl>
+                                        <p:attrNameLst>
+                                          <p:attrName>style.visibility</p:attrName>
+                                        </p:attrNameLst>
+                                      </p:cBhvr>
+                                      <p:to>
+                                        <p:strVal val="visible"/>
+                                      </p:to>
+                                    </p:set>
+                                    <p:animEffect transition="in" filter="fade">
+                                      <p:cBhvr>
+                                        <p:cTn id="12" dur="500"/>
+                                        <p:tgtEl>
+                                          <p:spTgt spid="3">
+                                            <p:txEl>
+                                              <p:pRg st="1" end="1"/>
+                                            </p:txEl>
+                                          </p:spTgt>
+                                        </p:tgtEl>
+                                      </p:cBhvr>
+                                    </p:animEffect>
+                                  </p:childTnLst>
+                                </p:cTn>
+                              </p:par>
+                            </p:childTnLst>
+                          </p:cTn>
+                        </p:par>
+                      </p:childTnLst>
+                    </p:cTn>
+                  </p:par>
+                  <p:par>
+                    <p:cTn id="13" fill="hold">
+                      <p:stCondLst>
+                        <p:cond delay="indefinite"/>
+                      </p:stCondLst>
+                      <p:childTnLst>
+                        <p:par>
+                          <p:cTn id="14" fill="hold">
+                            <p:stCondLst>
+                              <p:cond delay="0"/>
+                            </p:stCondLst>
+                            <p:childTnLst>
+                              <p:par>
+                                <p:cTn id="15" presetID="10" presetClass="entr" presetSubtype="0" fill="hold" grpId="0" nodeType="clickEffect">
+                                  <p:stCondLst>
+                                    <p:cond delay="0"/>
+                                  </p:stCondLst>
+                                  <p:childTnLst>
+                                    <p:set>
+                                      <p:cBhvr>
+                                        <p:cTn id="16" dur="1" fill="hold">
+                                          <p:stCondLst>
+                                            <p:cond delay="0"/>
+                                          </p:stCondLst>
+                                        </p:cTn>
+                                        <p:tgtEl>
+                                          <p:spTgt spid="3">
+                                            <p:txEl>
+                                              <p:pRg st="2" end="2"/>
+                                            </p:txEl>
+                                          </p:spTgt>
+                                        </p:tgtEl>
+                                        <p:attrNameLst>
+                                          <p:attrName>style.visibility</p:attrName>
+                                        </p:attrNameLst>
+                                      </p:cBhvr>
+                                      <p:to>
+                                        <p:strVal val="visible"/>
+                                      </p:to>
+                                    </p:set>
+                                    <p:animEffect transition="in" filter="fade">
+                                      <p:cBhvr>
+                                        <p:cTn id="17" dur="500"/>
+                                        <p:tgtEl>
+                                          <p:spTgt spid="3">
+                                            <p:txEl>
+                                              <p:pRg st="2" end="2"/>
+                                            </p:txEl>
+                                          </p:spTgt>
+                                        </p:tgtEl>
+                                      </p:cBhvr>
+                                    </p:animEffect>
+                                  </p:childTnLst>
+                                </p:cTn>
+                              </p:par>
+                            </p:childTnLst>
+                          </p:cTn>
+                        </p:par>
+                      </p:childTnLst>
+                    </p:cTn>
+                  </p:par>
+                </p:childTnLst>
+              </p:cTn>
+              <p:prevCondLst>
+                <p:cond evt="onPrev" delay="0">
+                  <p:tgtEl>
+                    <p:sldTgt/>
+                  </p:tgtEl>
+                </p:cond>
+              </p:prevCondLst>
+              <p:nextCondLst>
+                <p:cond evt="onNext" delay="0">
+                  <p:tgtEl>
+                    <p:sldTgt/>
+                  </p:tgtEl>
+                </p:cond>
+              </p:nextCondLst>
+            </p:seq>
+          </p:childTnLst>
+        </p:cTn>
+      </p:par>
+    </p:tnLst>
+    <p:bldLst>
+      <p:bldP spid="3" grpId="0" build="p"/>
+    </p:bldLst>
+  </p:timing>
+</p:sld>
+</file>
+
+<file path=ppt/slides/slide23.xml><?xml version="1.0" encoding="utf-8"?>
+<p:sld xmlns:a="http://schemas.openxmlformats.org/drawingml/2006/main" xmlns:r="http://schemas.openxmlformats.org/officeDocument/2006/relationships" xmlns:p="http://schemas.openxmlformats.org/presentationml/2006/main">
+  <p:cSld>
+    <p:spTree>
+      <p:nvGrpSpPr>
+        <p:cNvPr id="1" name=""/>
+        <p:cNvGrpSpPr/>
+        <p:nvPr/>
+      </p:nvGrpSpPr>
+      <p:grpSpPr>
+        <a:xfrm>
+          <a:off x="0" y="0"/>
+          <a:ext cx="0" cy="0"/>
+          <a:chOff x="0" y="0"/>
+          <a:chExt cx="0" cy="0"/>
+        </a:xfrm>
+      </p:grpSpPr>
+      <p:sp>
+        <p:nvSpPr>
+          <p:cNvPr id="2" name="Title 1"/>
+          <p:cNvSpPr>
+            <a:spLocks noGrp="1"/>
+          </p:cNvSpPr>
+          <p:nvPr>
+            <p:ph type="title"/>
+          </p:nvPr>
+        </p:nvSpPr>
+        <p:spPr/>
+        <p:txBody>
+          <a:bodyPr/>
+          <a:lstStyle/>
+          <a:p>
+            <a:endParaRPr lang="en-US"/>
+          </a:p>
+        </p:txBody>
+      </p:sp>
+      <p:sp>
+        <p:nvSpPr>
+          <p:cNvPr id="3" name="Content Placeholder 2"/>
+          <p:cNvSpPr>
+            <a:spLocks noGrp="1"/>
+          </p:cNvSpPr>
+          <p:nvPr>
+            <p:ph idx="1"/>
+          </p:nvPr>
+        </p:nvSpPr>
+        <p:spPr/>
+        <p:txBody>
+          <a:bodyPr/>
+          <a:lstStyle/>
+          <a:p>
+            <a:endParaRPr lang="en-US"/>
+          </a:p>
+        </p:txBody>
+      </p:sp>
+      <p:pic>
+        <p:nvPicPr>
+          <p:cNvPr id="4" name="Picture 3"/>
+          <p:cNvPicPr>
+            <a:picLocks noChangeAspect="1"/>
+          </p:cNvPicPr>
+          <p:nvPr/>
+        </p:nvPicPr>
+        <p:blipFill rotWithShape="1">
+          <a:blip r:embed="rId2">
+            <a:extLst>
+              <a:ext uri="{BEBA8EAE-BF5A-486C-A8C5-ECC9F3942E4B}">
+                <a14:imgProps xmlns:a14="http://schemas.microsoft.com/office/drawing/2010/main">
+                  <a14:imgLayer r:embed="rId3">
+                    <a14:imgEffect>
+                      <a14:sharpenSoften amount="50000"/>
+                    </a14:imgEffect>
+                  </a14:imgLayer>
+                </a14:imgProps>
+              </a:ext>
+            </a:extLst>
+          </a:blip>
+          <a:srcRect r="13057"/>
+          <a:stretch/>
+        </p:blipFill>
+        <p:spPr>
+          <a:xfrm>
+            <a:off x="603935" y="242295"/>
+            <a:ext cx="11037387" cy="4152284"/>
+          </a:xfrm>
+          <a:prstGeom prst="rect">
+            <a:avLst/>
+          </a:prstGeom>
+        </p:spPr>
+      </p:pic>
+    </p:spTree>
+    <p:extLst>
+      <p:ext uri="{BB962C8B-B14F-4D97-AF65-F5344CB8AC3E}">
+        <p14:creationId xmlns:p14="http://schemas.microsoft.com/office/powerpoint/2010/main" val="1069351450"/>
+      </p:ext>
+    </p:extLst>
+  </p:cSld>
+  <p:clrMapOvr>
+    <a:masterClrMapping/>
+  </p:clrMapOvr>
+  <p:timing>
+    <p:tnLst>
+      <p:par>
+        <p:cTn id="1" dur="indefinite" restart="never" nodeType="tmRoot"/>
+      </p:par>
+    </p:tnLst>
+  </p:timing>
+</p:sld>
+</file>
+
+<file path=ppt/slides/slide24.xml><?xml version="1.0" encoding="utf-8"?>
+<p:sld xmlns:a="http://schemas.openxmlformats.org/drawingml/2006/main" xmlns:r="http://schemas.openxmlformats.org/officeDocument/2006/relationships" xmlns:p="http://schemas.openxmlformats.org/presentationml/2006/main">
+  <p:cSld>
+    <p:spTree>
+      <p:nvGrpSpPr>
+        <p:cNvPr id="1" name=""/>
+        <p:cNvGrpSpPr/>
+        <p:nvPr/>
+      </p:nvGrpSpPr>
+      <p:grpSpPr>
+        <a:xfrm>
+          <a:off x="0" y="0"/>
+          <a:ext cx="0" cy="0"/>
+          <a:chOff x="0" y="0"/>
+          <a:chExt cx="0" cy="0"/>
+        </a:xfrm>
+      </p:grpSpPr>
+      <p:sp>
+        <p:nvSpPr>
+          <p:cNvPr id="2" name="Title 1"/>
+          <p:cNvSpPr>
+            <a:spLocks noGrp="1"/>
+          </p:cNvSpPr>
+          <p:nvPr>
+            <p:ph type="title"/>
+          </p:nvPr>
+        </p:nvSpPr>
+        <p:spPr/>
+        <p:txBody>
+          <a:bodyPr/>
+          <a:lstStyle/>
+          <a:p>
+            <a:endParaRPr lang="en-US"/>
+          </a:p>
+        </p:txBody>
+      </p:sp>
+      <p:sp>
+        <p:nvSpPr>
+          <p:cNvPr id="3" name="Content Placeholder 2"/>
+          <p:cNvSpPr>
+            <a:spLocks noGrp="1"/>
+          </p:cNvSpPr>
+          <p:nvPr>
+            <p:ph idx="1"/>
+          </p:nvPr>
+        </p:nvSpPr>
+        <p:spPr/>
+        <p:txBody>
+          <a:bodyPr/>
+          <a:lstStyle/>
+          <a:p>
+            <a:endParaRPr lang="en-US"/>
+          </a:p>
+        </p:txBody>
+      </p:sp>
+      <p:pic>
+        <p:nvPicPr>
+          <p:cNvPr id="4" name="Picture 3"/>
+          <p:cNvPicPr>
+            <a:picLocks noChangeAspect="1"/>
+          </p:cNvPicPr>
+          <p:nvPr/>
+        </p:nvPicPr>
+        <p:blipFill>
+          <a:blip r:embed="rId3"/>
+          <a:stretch>
+            <a:fillRect/>
+          </a:stretch>
+        </p:blipFill>
+        <p:spPr>
+          <a:xfrm>
+            <a:off x="838200" y="365126"/>
+            <a:ext cx="9793406" cy="5894831"/>
+          </a:xfrm>
+          <a:prstGeom prst="rect">
+            <a:avLst/>
+          </a:prstGeom>
+        </p:spPr>
+      </p:pic>
+      <p:sp>
+        <p:nvSpPr>
+          <p:cNvPr id="5" name="Rectangle 4"/>
+          <p:cNvSpPr/>
+          <p:nvPr/>
+        </p:nvSpPr>
+        <p:spPr>
+          <a:xfrm>
+            <a:off x="6458383" y="6334877"/>
+            <a:ext cx="5307543" cy="369332"/>
+          </a:xfrm>
+          <a:prstGeom prst="rect">
+            <a:avLst/>
+          </a:prstGeom>
+        </p:spPr>
+        <p:txBody>
+          <a:bodyPr wrap="none">
+            <a:spAutoFit/>
+          </a:bodyPr>
+          <a:lstStyle/>
+          <a:p>
+            <a:r>
+              <a:rPr lang="en-US" dirty="0"/>
+              <a:t>Source: Fundamental Engineering – Industrial Specific</a:t>
+            </a:r>
+            <a:endParaRPr lang="en-US" dirty="0"/>
+          </a:p>
+        </p:txBody>
+      </p:sp>
+    </p:spTree>
+    <p:extLst>
+      <p:ext uri="{BB962C8B-B14F-4D97-AF65-F5344CB8AC3E}">
+        <p14:creationId xmlns:p14="http://schemas.microsoft.com/office/powerpoint/2010/main" val="3848424827"/>
+      </p:ext>
+    </p:extLst>
+  </p:cSld>
+  <p:clrMapOvr>
+    <a:masterClrMapping/>
+  </p:clrMapOvr>
+</p:sld>
+</file>
+
+<file path=ppt/slides/slide25.xml><?xml version="1.0" encoding="utf-8"?>
+<p:sld xmlns:a="http://schemas.openxmlformats.org/drawingml/2006/main" xmlns:r="http://schemas.openxmlformats.org/officeDocument/2006/relationships" xmlns:p="http://schemas.openxmlformats.org/presentationml/2006/main">
+  <p:cSld>
+    <p:spTree>
+      <p:nvGrpSpPr>
+        <p:cNvPr id="1" name=""/>
+        <p:cNvGrpSpPr/>
+        <p:nvPr/>
+      </p:nvGrpSpPr>
+      <p:grpSpPr>
+        <a:xfrm>
+          <a:off x="0" y="0"/>
+          <a:ext cx="0" cy="0"/>
+          <a:chOff x="0" y="0"/>
+          <a:chExt cx="0" cy="0"/>
+        </a:xfrm>
+      </p:grpSpPr>
+      <p:sp>
+        <p:nvSpPr>
+          <p:cNvPr id="4" name="Title 3"/>
+          <p:cNvSpPr>
+            <a:spLocks noGrp="1"/>
+          </p:cNvSpPr>
+          <p:nvPr>
+            <p:ph type="title"/>
+          </p:nvPr>
+        </p:nvSpPr>
+        <p:spPr/>
+        <p:txBody>
+          <a:bodyPr/>
+          <a:lstStyle/>
+          <a:p>
+            <a:r>
+              <a:rPr lang="en-US" dirty="0" smtClean="0"/>
+              <a:t>Aggregate Planning</a:t>
+            </a:r>
+            <a:endParaRPr lang="en-US" dirty="0"/>
+          </a:p>
+        </p:txBody>
+      </p:sp>
+      <p:sp>
+        <p:nvSpPr>
+          <p:cNvPr id="5" name="Text Placeholder 4"/>
+          <p:cNvSpPr>
+            <a:spLocks noGrp="1"/>
+          </p:cNvSpPr>
+          <p:nvPr>
+            <p:ph type="body" idx="1"/>
+          </p:nvPr>
+        </p:nvSpPr>
+        <p:spPr/>
+        <p:txBody>
+          <a:bodyPr/>
+          <a:lstStyle/>
+          <a:p>
+            <a:endParaRPr lang="en-US"/>
+          </a:p>
+        </p:txBody>
+      </p:sp>
+    </p:spTree>
+    <p:extLst>
+      <p:ext uri="{BB962C8B-B14F-4D97-AF65-F5344CB8AC3E}">
+        <p14:creationId xmlns:p14="http://schemas.microsoft.com/office/powerpoint/2010/main" val="1208808093"/>
+      </p:ext>
+    </p:extLst>
+  </p:cSld>
+  <p:clrMapOvr>
+    <a:masterClrMapping/>
+  </p:clrMapOvr>
+  <p:timing>
+    <p:tnLst>
+      <p:par>
+        <p:cTn id="1" dur="indefinite" restart="never" nodeType="tmRoot"/>
+      </p:par>
+    </p:tnLst>
+  </p:timing>
+</p:sld>
+</file>
+
+<file path=ppt/slides/slide26.xml><?xml version="1.0" encoding="utf-8"?>
+<p:sld xmlns:a="http://schemas.openxmlformats.org/drawingml/2006/main" xmlns:r="http://schemas.openxmlformats.org/officeDocument/2006/relationships" xmlns:p="http://schemas.openxmlformats.org/presentationml/2006/main">
+  <p:cSld>
+    <p:spTree>
+      <p:nvGrpSpPr>
+        <p:cNvPr id="1" name=""/>
+        <p:cNvGrpSpPr/>
+        <p:nvPr/>
+      </p:nvGrpSpPr>
+      <p:grpSpPr>
+        <a:xfrm>
+          <a:off x="0" y="0"/>
+          <a:ext cx="0" cy="0"/>
+          <a:chOff x="0" y="0"/>
+          <a:chExt cx="0" cy="0"/>
+        </a:xfrm>
+      </p:grpSpPr>
+      <p:sp>
+        <p:nvSpPr>
+          <p:cNvPr id="4" name="Title 3"/>
+          <p:cNvSpPr>
+            <a:spLocks noGrp="1"/>
+          </p:cNvSpPr>
+          <p:nvPr>
+            <p:ph type="title"/>
+          </p:nvPr>
+        </p:nvSpPr>
+        <p:spPr/>
+        <p:txBody>
+          <a:bodyPr/>
+          <a:lstStyle/>
+          <a:p>
+            <a:r>
+              <a:rPr lang="en-US" dirty="0" smtClean="0"/>
+              <a:t>Aggregate Planning definition</a:t>
+            </a:r>
+            <a:endParaRPr lang="en-US" dirty="0"/>
+          </a:p>
+        </p:txBody>
+      </p:sp>
+      <p:sp>
+        <p:nvSpPr>
+          <p:cNvPr id="5" name="Content Placeholder 4"/>
+          <p:cNvSpPr>
+            <a:spLocks noGrp="1"/>
+          </p:cNvSpPr>
+          <p:nvPr>
+            <p:ph idx="1"/>
+          </p:nvPr>
+        </p:nvSpPr>
+        <p:spPr/>
+        <p:txBody>
+          <a:bodyPr/>
+          <a:lstStyle/>
+          <a:p>
+            <a:r>
+              <a:rPr lang="en-US" dirty="0"/>
+              <a:t>The aggregate planning concentrates on scheduling production, personnel and inventory </a:t>
+            </a:r>
+            <a:r>
+              <a:rPr lang="en-US" dirty="0" smtClean="0"/>
+              <a:t>levels during </a:t>
+            </a:r>
+            <a:r>
+              <a:rPr lang="en-US" dirty="0"/>
+              <a:t>intermediate term planning horizon such as 3-12 months. </a:t>
+            </a:r>
+            <a:endParaRPr lang="en-US" dirty="0" smtClean="0"/>
+          </a:p>
+          <a:p>
+            <a:r>
+              <a:rPr lang="en-US" dirty="0" smtClean="0"/>
+              <a:t>Aggregate </a:t>
+            </a:r>
+            <a:r>
+              <a:rPr lang="en-US" dirty="0"/>
+              <a:t>plans act as </a:t>
+            </a:r>
+            <a:r>
+              <a:rPr lang="en-US" dirty="0" smtClean="0"/>
+              <a:t>an interface </a:t>
+            </a:r>
+            <a:r>
+              <a:rPr lang="en-US" dirty="0"/>
+              <a:t>between strategic decision (which fixes the operating environment) and short </a:t>
+            </a:r>
+            <a:r>
+              <a:rPr lang="en-US" dirty="0" smtClean="0"/>
+              <a:t>term scheduling </a:t>
+            </a:r>
+            <a:r>
+              <a:rPr lang="en-US" dirty="0"/>
+              <a:t>and control decision which guides firm’s day-to-day operations. </a:t>
+            </a:r>
+            <a:br>
+              <a:rPr lang="en-US" dirty="0"/>
+            </a:br>
+            <a:endParaRPr lang="en-US" dirty="0"/>
+          </a:p>
+        </p:txBody>
+      </p:sp>
+    </p:spTree>
+    <p:extLst>
+      <p:ext uri="{BB962C8B-B14F-4D97-AF65-F5344CB8AC3E}">
+        <p14:creationId xmlns:p14="http://schemas.microsoft.com/office/powerpoint/2010/main" val="1808975647"/>
+      </p:ext>
+    </p:extLst>
+  </p:cSld>
+  <p:clrMapOvr>
+    <a:masterClrMapping/>
+  </p:clrMapOvr>
+  <p:timing>
+    <p:tnLst>
+      <p:par>
+        <p:cTn id="1" dur="indefinite" restart="never" nodeType="tmRoot"/>
+      </p:par>
+    </p:tnLst>
+  </p:timing>
+</p:sld>
+</file>
+
+<file path=ppt/slides/slide27.xml><?xml version="1.0" encoding="utf-8"?>
+<p:sld xmlns:a="http://schemas.openxmlformats.org/drawingml/2006/main" xmlns:r="http://schemas.openxmlformats.org/officeDocument/2006/relationships" xmlns:p="http://schemas.openxmlformats.org/presentationml/2006/main">
+  <p:cSld>
+    <p:spTree>
+      <p:nvGrpSpPr>
+        <p:cNvPr id="1" name=""/>
+        <p:cNvGrpSpPr/>
+        <p:nvPr/>
+      </p:nvGrpSpPr>
+      <p:grpSpPr>
+        <a:xfrm>
+          <a:off x="0" y="0"/>
+          <a:ext cx="0" cy="0"/>
+          <a:chOff x="0" y="0"/>
+          <a:chExt cx="0" cy="0"/>
+        </a:xfrm>
+      </p:grpSpPr>
+      <p:sp>
+        <p:nvSpPr>
+          <p:cNvPr id="2" name="Title 1"/>
+          <p:cNvSpPr>
+            <a:spLocks noGrp="1"/>
+          </p:cNvSpPr>
+          <p:nvPr>
+            <p:ph type="title"/>
+          </p:nvPr>
+        </p:nvSpPr>
+        <p:spPr/>
+        <p:txBody>
+          <a:bodyPr/>
+          <a:lstStyle/>
+          <a:p>
+            <a:endParaRPr lang="en-US"/>
+          </a:p>
+        </p:txBody>
+      </p:sp>
+      <p:sp>
+        <p:nvSpPr>
+          <p:cNvPr id="3" name="Content Placeholder 2"/>
+          <p:cNvSpPr>
+            <a:spLocks noGrp="1"/>
+          </p:cNvSpPr>
+          <p:nvPr>
+            <p:ph idx="1"/>
+          </p:nvPr>
+        </p:nvSpPr>
+        <p:spPr/>
+        <p:txBody>
+          <a:bodyPr/>
+          <a:lstStyle/>
+          <a:p>
+            <a:endParaRPr lang="en-US" dirty="0"/>
+          </a:p>
+        </p:txBody>
+      </p:sp>
+      <p:pic>
+        <p:nvPicPr>
+          <p:cNvPr id="5" name="Picture 4"/>
+          <p:cNvPicPr>
+            <a:picLocks noChangeAspect="1"/>
+          </p:cNvPicPr>
+          <p:nvPr/>
+        </p:nvPicPr>
+        <p:blipFill>
+          <a:blip r:embed="rId2"/>
+          <a:stretch>
+            <a:fillRect/>
+          </a:stretch>
+        </p:blipFill>
+        <p:spPr>
+          <a:xfrm>
+            <a:off x="1505873" y="0"/>
+            <a:ext cx="8210868" cy="6858000"/>
+          </a:xfrm>
+          <a:prstGeom prst="rect">
+            <a:avLst/>
+          </a:prstGeom>
+        </p:spPr>
+      </p:pic>
+    </p:spTree>
+    <p:extLst>
+      <p:ext uri="{BB962C8B-B14F-4D97-AF65-F5344CB8AC3E}">
+        <p14:creationId xmlns:p14="http://schemas.microsoft.com/office/powerpoint/2010/main" val="1401047608"/>
+      </p:ext>
+    </p:extLst>
+  </p:cSld>
+  <p:clrMapOvr>
+    <a:masterClrMapping/>
+  </p:clrMapOvr>
+  <p:timing>
+    <p:tnLst>
+      <p:par>
+        <p:cTn id="1" dur="indefinite" restart="never" nodeType="tmRoot"/>
+      </p:par>
+    </p:tnLst>
+  </p:timing>
+</p:sld>
+</file>
+
+<file path=ppt/slides/slide28.xml><?xml version="1.0" encoding="utf-8"?>
+<p:sld xmlns:a="http://schemas.openxmlformats.org/drawingml/2006/main" xmlns:r="http://schemas.openxmlformats.org/officeDocument/2006/relationships" xmlns:p="http://schemas.openxmlformats.org/presentationml/2006/main">
+  <p:cSld>
+    <p:spTree>
+      <p:nvGrpSpPr>
+        <p:cNvPr id="1" name=""/>
+        <p:cNvGrpSpPr/>
+        <p:nvPr/>
+      </p:nvGrpSpPr>
+      <p:grpSpPr>
+        <a:xfrm>
+          <a:off x="0" y="0"/>
+          <a:ext cx="0" cy="0"/>
+          <a:chOff x="0" y="0"/>
+          <a:chExt cx="0" cy="0"/>
+        </a:xfrm>
+      </p:grpSpPr>
+      <p:sp>
+        <p:nvSpPr>
+          <p:cNvPr id="2" name="Title 1"/>
+          <p:cNvSpPr>
+            <a:spLocks noGrp="1"/>
+          </p:cNvSpPr>
+          <p:nvPr>
+            <p:ph type="title"/>
+          </p:nvPr>
+        </p:nvSpPr>
+        <p:spPr>
+          <a:xfrm>
+            <a:off x="838200" y="26798"/>
+            <a:ext cx="10515600" cy="1325563"/>
+          </a:xfrm>
+        </p:spPr>
+        <p:txBody>
+          <a:bodyPr/>
+          <a:lstStyle/>
+          <a:p>
+            <a:r>
+              <a:rPr lang="en-US" dirty="0" smtClean="0"/>
+              <a:t>Johnson’s Rule</a:t>
+            </a:r>
+            <a:endParaRPr lang="en-US" dirty="0"/>
+          </a:p>
+        </p:txBody>
+      </p:sp>
+      <p:sp>
+        <p:nvSpPr>
+          <p:cNvPr id="3" name="Content Placeholder 2"/>
+          <p:cNvSpPr>
+            <a:spLocks noGrp="1"/>
+          </p:cNvSpPr>
+          <p:nvPr>
+            <p:ph idx="1"/>
+          </p:nvPr>
+        </p:nvSpPr>
+        <p:spPr>
+          <a:xfrm>
+            <a:off x="838200" y="1143237"/>
+            <a:ext cx="10515600" cy="1831975"/>
+          </a:xfrm>
+        </p:spPr>
+        <p:txBody>
+          <a:bodyPr>
+            <a:normAutofit/>
+          </a:bodyPr>
+          <a:lstStyle/>
+          <a:p>
+            <a:r>
+              <a:rPr lang="en-US" sz="2400" dirty="0"/>
+              <a:t>Johnson's rule is a method of scheduling jobs in two work centers. Its primary objective is to find an optimal sequence of jobs to reduce </a:t>
+            </a:r>
+            <a:r>
+              <a:rPr lang="en-US" sz="2400" dirty="0" err="1"/>
+              <a:t>makespan</a:t>
+            </a:r>
+            <a:r>
+              <a:rPr lang="en-US" sz="2400" dirty="0"/>
+              <a:t> (the total amount of time it takes to complete all jobs). It also reduces the amount of idle time between the two work centers. The method minimizes the </a:t>
+            </a:r>
+            <a:r>
+              <a:rPr lang="en-US" sz="2400" dirty="0" err="1"/>
+              <a:t>makespan</a:t>
+            </a:r>
+            <a:r>
+              <a:rPr lang="en-US" sz="2400" dirty="0"/>
+              <a:t> in the case of two work centers. </a:t>
+            </a:r>
+            <a:endParaRPr lang="en-US" sz="2400" dirty="0" smtClean="0"/>
+          </a:p>
+          <a:p>
+            <a:endParaRPr lang="en-US" sz="2400" dirty="0"/>
+          </a:p>
+        </p:txBody>
+      </p:sp>
+      <p:pic>
+        <p:nvPicPr>
+          <p:cNvPr id="4" name="Picture 3"/>
+          <p:cNvPicPr>
+            <a:picLocks noChangeAspect="1"/>
+          </p:cNvPicPr>
+          <p:nvPr/>
+        </p:nvPicPr>
+        <p:blipFill>
+          <a:blip r:embed="rId2">
+            <a:extLst>
+              <a:ext uri="{BEBA8EAE-BF5A-486C-A8C5-ECC9F3942E4B}">
+                <a14:imgProps xmlns:a14="http://schemas.microsoft.com/office/drawing/2010/main">
+                  <a14:imgLayer r:embed="rId3">
+                    <a14:imgEffect>
+                      <a14:sharpenSoften amount="50000"/>
+                    </a14:imgEffect>
+                  </a14:imgLayer>
+                </a14:imgProps>
+              </a:ext>
+            </a:extLst>
+          </a:blip>
+          <a:stretch>
+            <a:fillRect/>
+          </a:stretch>
+        </p:blipFill>
+        <p:spPr>
+          <a:xfrm>
+            <a:off x="838200" y="2742136"/>
+            <a:ext cx="7822584" cy="3839853"/>
+          </a:xfrm>
+          <a:prstGeom prst="rect">
+            <a:avLst/>
+          </a:prstGeom>
+        </p:spPr>
+      </p:pic>
+    </p:spTree>
+    <p:extLst>
+      <p:ext uri="{BB962C8B-B14F-4D97-AF65-F5344CB8AC3E}">
+        <p14:creationId xmlns:p14="http://schemas.microsoft.com/office/powerpoint/2010/main" val="1052005365"/>
+      </p:ext>
+    </p:extLst>
+  </p:cSld>
+  <p:clrMapOvr>
+    <a:masterClrMapping/>
+  </p:clrMapOvr>
+  <p:timing>
+    <p:tnLst>
+      <p:par>
+        <p:cTn id="1" dur="indefinite" restart="never" nodeType="tmRoot"/>
+      </p:par>
+    </p:tnLst>
+  </p:timing>
+</p:sld>
+</file>
+
+<file path=ppt/slides/slide29.xml><?xml version="1.0" encoding="utf-8"?>
+<p:sld xmlns:a="http://schemas.openxmlformats.org/drawingml/2006/main" xmlns:r="http://schemas.openxmlformats.org/officeDocument/2006/relationships" xmlns:p="http://schemas.openxmlformats.org/presentationml/2006/main">
+  <p:cSld>
+    <p:spTree>
+      <p:nvGrpSpPr>
+        <p:cNvPr id="1" name=""/>
+        <p:cNvGrpSpPr/>
+        <p:nvPr/>
+      </p:nvGrpSpPr>
+      <p:grpSpPr>
+        <a:xfrm>
+          <a:off x="0" y="0"/>
+          <a:ext cx="0" cy="0"/>
+          <a:chOff x="0" y="0"/>
+          <a:chExt cx="0" cy="0"/>
+        </a:xfrm>
+      </p:grpSpPr>
+      <p:sp>
+        <p:nvSpPr>
+          <p:cNvPr id="2" name="Title 1"/>
+          <p:cNvSpPr>
+            <a:spLocks noGrp="1"/>
+          </p:cNvSpPr>
+          <p:nvPr>
+            <p:ph type="title"/>
+          </p:nvPr>
+        </p:nvSpPr>
+        <p:spPr/>
+        <p:txBody>
+          <a:bodyPr/>
+          <a:lstStyle/>
+          <a:p>
+            <a:r>
+              <a:rPr lang="en-US" dirty="0" smtClean="0"/>
+              <a:t>MRP</a:t>
+            </a:r>
+            <a:endParaRPr lang="en-US" dirty="0"/>
+          </a:p>
+        </p:txBody>
+      </p:sp>
+      <p:sp>
+        <p:nvSpPr>
+          <p:cNvPr id="3" name="Content Placeholder 2"/>
+          <p:cNvSpPr>
+            <a:spLocks noGrp="1"/>
+          </p:cNvSpPr>
+          <p:nvPr>
+            <p:ph idx="1"/>
+          </p:nvPr>
+        </p:nvSpPr>
+        <p:spPr/>
+        <p:txBody>
+          <a:bodyPr/>
+          <a:lstStyle/>
+          <a:p>
+            <a:endParaRPr lang="en-US"/>
+          </a:p>
+        </p:txBody>
+      </p:sp>
+    </p:spTree>
+    <p:extLst>
+      <p:ext uri="{BB962C8B-B14F-4D97-AF65-F5344CB8AC3E}">
+        <p14:creationId xmlns:p14="http://schemas.microsoft.com/office/powerpoint/2010/main" val="2402211010"/>
+      </p:ext>
+    </p:extLst>
+  </p:cSld>
+  <p:clrMapOvr>
+    <a:masterClrMapping/>
+  </p:clrMapOvr>
+  <p:timing>
+    <p:tnLst>
+      <p:par>
+        <p:cTn id="1" dur="indefinite" restart="never" nodeType="tmRoot"/>
+      </p:par>
+    </p:tnLst>
+  </p:timing>
+</p:sld>
+</file>
+
 <file path=ppt/slides/slide3.xml><?xml version="1.0" encoding="utf-8"?>
 <p:sld xmlns:a="http://schemas.openxmlformats.org/drawingml/2006/main" xmlns:r="http://schemas.openxmlformats.org/officeDocument/2006/relationships" xmlns:p="http://schemas.openxmlformats.org/presentationml/2006/main">
   <p:cSld>
@@ -10908,6 +13993,164 @@
     <p:extLst>
       <p:ext uri="{BB962C8B-B14F-4D97-AF65-F5344CB8AC3E}">
         <p14:creationId xmlns:p14="http://schemas.microsoft.com/office/powerpoint/2010/main" val="1718569717"/>
+      </p:ext>
+    </p:extLst>
+  </p:cSld>
+  <p:clrMapOvr>
+    <a:masterClrMapping/>
+  </p:clrMapOvr>
+  <p:timing>
+    <p:tnLst>
+      <p:par>
+        <p:cTn id="1" dur="indefinite" restart="never" nodeType="tmRoot"/>
+      </p:par>
+    </p:tnLst>
+  </p:timing>
+</p:sld>
+</file>
+
+<file path=ppt/slides/slide30.xml><?xml version="1.0" encoding="utf-8"?>
+<p:sld xmlns:a="http://schemas.openxmlformats.org/drawingml/2006/main" xmlns:r="http://schemas.openxmlformats.org/officeDocument/2006/relationships" xmlns:p="http://schemas.openxmlformats.org/presentationml/2006/main">
+  <p:cSld>
+    <p:spTree>
+      <p:nvGrpSpPr>
+        <p:cNvPr id="1" name=""/>
+        <p:cNvGrpSpPr/>
+        <p:nvPr/>
+      </p:nvGrpSpPr>
+      <p:grpSpPr>
+        <a:xfrm>
+          <a:off x="0" y="0"/>
+          <a:ext cx="0" cy="0"/>
+          <a:chOff x="0" y="0"/>
+          <a:chExt cx="0" cy="0"/>
+        </a:xfrm>
+      </p:grpSpPr>
+      <p:sp>
+        <p:nvSpPr>
+          <p:cNvPr id="2" name="Title 1"/>
+          <p:cNvSpPr>
+            <a:spLocks noGrp="1"/>
+          </p:cNvSpPr>
+          <p:nvPr>
+            <p:ph type="title"/>
+          </p:nvPr>
+        </p:nvSpPr>
+        <p:spPr/>
+        <p:txBody>
+          <a:bodyPr/>
+          <a:lstStyle/>
+          <a:p>
+            <a:r>
+              <a:rPr lang="en-US" dirty="0" smtClean="0"/>
+              <a:t>MPS</a:t>
+            </a:r>
+            <a:endParaRPr lang="en-US" dirty="0"/>
+          </a:p>
+        </p:txBody>
+      </p:sp>
+      <p:sp>
+        <p:nvSpPr>
+          <p:cNvPr id="3" name="Content Placeholder 2"/>
+          <p:cNvSpPr>
+            <a:spLocks noGrp="1"/>
+          </p:cNvSpPr>
+          <p:nvPr>
+            <p:ph idx="1"/>
+          </p:nvPr>
+        </p:nvSpPr>
+        <p:spPr/>
+        <p:txBody>
+          <a:bodyPr/>
+          <a:lstStyle/>
+          <a:p>
+            <a:endParaRPr lang="en-US"/>
+          </a:p>
+        </p:txBody>
+      </p:sp>
+    </p:spTree>
+    <p:extLst>
+      <p:ext uri="{BB962C8B-B14F-4D97-AF65-F5344CB8AC3E}">
+        <p14:creationId xmlns:p14="http://schemas.microsoft.com/office/powerpoint/2010/main" val="1687420611"/>
+      </p:ext>
+    </p:extLst>
+  </p:cSld>
+  <p:clrMapOvr>
+    <a:masterClrMapping/>
+  </p:clrMapOvr>
+  <p:timing>
+    <p:tnLst>
+      <p:par>
+        <p:cTn id="1" dur="indefinite" restart="never" nodeType="tmRoot"/>
+      </p:par>
+    </p:tnLst>
+  </p:timing>
+</p:sld>
+</file>
+
+<file path=ppt/slides/slide31.xml><?xml version="1.0" encoding="utf-8"?>
+<p:sld xmlns:a="http://schemas.openxmlformats.org/drawingml/2006/main" xmlns:r="http://schemas.openxmlformats.org/officeDocument/2006/relationships" xmlns:p="http://schemas.openxmlformats.org/presentationml/2006/main">
+  <p:cSld>
+    <p:spTree>
+      <p:nvGrpSpPr>
+        <p:cNvPr id="1" name=""/>
+        <p:cNvGrpSpPr/>
+        <p:nvPr/>
+      </p:nvGrpSpPr>
+      <p:grpSpPr>
+        <a:xfrm>
+          <a:off x="0" y="0"/>
+          <a:ext cx="0" cy="0"/>
+          <a:chOff x="0" y="0"/>
+          <a:chExt cx="0" cy="0"/>
+        </a:xfrm>
+      </p:grpSpPr>
+      <p:sp>
+        <p:nvSpPr>
+          <p:cNvPr id="2" name="Title 1"/>
+          <p:cNvSpPr>
+            <a:spLocks noGrp="1"/>
+          </p:cNvSpPr>
+          <p:nvPr>
+            <p:ph type="title"/>
+          </p:nvPr>
+        </p:nvSpPr>
+        <p:spPr/>
+        <p:txBody>
+          <a:bodyPr/>
+          <a:lstStyle/>
+          <a:p>
+            <a:r>
+              <a:rPr lang="en-US" dirty="0" smtClean="0"/>
+              <a:t>BoM</a:t>
+            </a:r>
+            <a:endParaRPr lang="en-US" dirty="0"/>
+          </a:p>
+        </p:txBody>
+      </p:sp>
+      <p:sp>
+        <p:nvSpPr>
+          <p:cNvPr id="3" name="Content Placeholder 2"/>
+          <p:cNvSpPr>
+            <a:spLocks noGrp="1"/>
+          </p:cNvSpPr>
+          <p:nvPr>
+            <p:ph idx="1"/>
+          </p:nvPr>
+        </p:nvSpPr>
+        <p:spPr/>
+        <p:txBody>
+          <a:bodyPr/>
+          <a:lstStyle/>
+          <a:p>
+            <a:endParaRPr lang="en-US"/>
+          </a:p>
+        </p:txBody>
+      </p:sp>
+    </p:spTree>
+    <p:extLst>
+      <p:ext uri="{BB962C8B-B14F-4D97-AF65-F5344CB8AC3E}">
+        <p14:creationId xmlns:p14="http://schemas.microsoft.com/office/powerpoint/2010/main" val="373060195"/>
       </p:ext>
     </p:extLst>
   </p:cSld>
@@ -11150,11 +14393,7 @@
           <a:p>
             <a:r>
               <a:rPr lang="en-US" dirty="0" smtClean="0"/>
-              <a:t>A. Methods analysis (e.g., </a:t>
-            </a:r>
-            <a:r>
-              <a:rPr lang="en-US" dirty="0" smtClean="0"/>
-              <a:t>charting)</a:t>
+              <a:t>A. Methods analysis (e.g., charting)</a:t>
             </a:r>
             <a:endParaRPr lang="en-US" dirty="0"/>
           </a:p>
@@ -11235,19 +14474,7 @@
           <a:p>
             <a:r>
               <a:rPr lang="en-US" dirty="0" smtClean="0"/>
-              <a:t>A. Methods analysis (e.g</a:t>
-            </a:r>
-            <a:r>
-              <a:rPr lang="en-US" dirty="0" smtClean="0"/>
-              <a:t>. </a:t>
-            </a:r>
-            <a:r>
-              <a:rPr lang="en-US" dirty="0" smtClean="0"/>
-              <a:t>workstation </a:t>
-            </a:r>
-            <a:r>
-              <a:rPr lang="en-US" dirty="0" smtClean="0"/>
-              <a:t>design)</a:t>
+              <a:t>A. Methods analysis (e.g. workstation design)</a:t>
             </a:r>
             <a:endParaRPr lang="en-US" dirty="0"/>
           </a:p>
@@ -11568,13 +14795,8 @@
             </a:br>
             <a:r>
               <a:rPr lang="en-US" dirty="0"/>
-              <a:t>4. Compute the standard time</a:t>
-            </a:r>
-            <a:r>
-              <a:rPr lang="en-US" dirty="0"/>
-              <a:t> </a:t>
-            </a:r>
-            <a:endParaRPr lang="en-US" dirty="0"/>
+              <a:t>4. Compute the standard time </a:t>
+            </a:r>
           </a:p>
         </p:txBody>
       </p:sp>
@@ -11854,8 +15076,8 @@
           </a:p>
         </p:txBody>
       </p:sp>
-      <mc:AlternateContent xmlns:mc="http://schemas.openxmlformats.org/markup-compatibility/2006">
-        <mc:Choice xmlns:a14="http://schemas.microsoft.com/office/drawing/2010/main" Requires="a14">
+      <mc:AlternateContent xmlns:mc="http://schemas.openxmlformats.org/markup-compatibility/2006" xmlns:a14="http://schemas.microsoft.com/office/drawing/2010/main">
+        <mc:Choice Requires="a14">
           <p:sp>
             <p:nvSpPr>
               <p:cNvPr id="3" name="Content Placeholder 2"/>
@@ -12049,11 +15271,7 @@
                 </a14:m>
                 <a:r>
                   <a:rPr lang="en-US" sz="2400" dirty="0" smtClean="0"/>
-                  <a:t> = Sum of recorded time, </a:t>
-                </a:r>
-                <a:r>
-                  <a:rPr lang="en-US" sz="2400" dirty="0" smtClean="0"/>
-                  <a:t>n = number of observation</a:t>
+                  <a:t> = Sum of recorded time, n = number of observation</a:t>
                 </a:r>
               </a:p>
               <a:p>
@@ -12132,15 +15350,7 @@
                 </a:pPr>
                 <a:r>
                   <a:rPr lang="en-US" sz="2400" dirty="0" smtClean="0"/>
-                  <a:t>NT = normal time, </a:t>
-                </a:r>
-                <a:r>
-                  <a:rPr lang="en-US" sz="2400" dirty="0" smtClean="0"/>
-                  <a:t>OT = Observed time, </a:t>
-                </a:r>
-                <a:r>
-                  <a:rPr lang="en-US" sz="2400" dirty="0" smtClean="0"/>
-                  <a:t>PR = Performance rating</a:t>
+                  <a:t>NT = normal time, OT = Observed time, PR = Performance rating</a:t>
                 </a:r>
               </a:p>
               <a:p>
@@ -12222,7 +15432,7 @@
             </p:txBody>
           </p:sp>
         </mc:Choice>
-        <mc:Fallback>
+        <mc:Fallback xmlns="">
           <p:sp>
             <p:nvSpPr>
               <p:cNvPr id="3" name="Content Placeholder 2"/>
